--- a/Fall Detection.pptx
+++ b/Fall Detection.pptx
@@ -116,6 +116,11 @@
       </a:defRPr>
     </a:lvl9pPr>
   </p:defaultTextStyle>
+  <p:extLst>
+    <p:ext uri="{EFAFB233-063F-42B5-8137-9DF3F51BA10A}">
+      <p15:sldGuideLst xmlns:p15="http://schemas.microsoft.com/office/powerpoint/2012/main"/>
+    </p:ext>
+  </p:extLst>
 </p:presentation>
 </file>
 
@@ -1590,34 +1595,6 @@
         </dgm:presLayoutVars>
       </dgm:prSet>
       <dgm:spPr/>
-    </dgm:pt>
-    <dgm:pt modelId="{EFFFD710-16F9-407E-B6AD-E0B6F3927C3E}" type="pres">
-      <dgm:prSet presAssocID="{6230060C-9A0E-47FE-B799-EB02DF155E12}" presName="tSp" presStyleCnt="0"/>
-      <dgm:spPr/>
-    </dgm:pt>
-    <dgm:pt modelId="{53058474-D286-4B28-A052-1BCB1577756A}" type="pres">
-      <dgm:prSet presAssocID="{6230060C-9A0E-47FE-B799-EB02DF155E12}" presName="bSp" presStyleCnt="0"/>
-      <dgm:spPr/>
-    </dgm:pt>
-    <dgm:pt modelId="{B416694D-E9CA-497F-9448-2412AB9B8C6A}" type="pres">
-      <dgm:prSet presAssocID="{6230060C-9A0E-47FE-B799-EB02DF155E12}" presName="process" presStyleCnt="0"/>
-      <dgm:spPr/>
-    </dgm:pt>
-    <dgm:pt modelId="{197CF539-6BCE-46AA-A007-365F5892E16A}" type="pres">
-      <dgm:prSet presAssocID="{C3C0F520-EB80-46C9-83E5-D40F817EB263}" presName="composite1" presStyleCnt="0"/>
-      <dgm:spPr/>
-    </dgm:pt>
-    <dgm:pt modelId="{9D0E57F1-A972-4CE0-BB6B-5FE174CAA261}" type="pres">
-      <dgm:prSet presAssocID="{C3C0F520-EB80-46C9-83E5-D40F817EB263}" presName="dummyNode1" presStyleLbl="node1" presStyleIdx="0" presStyleCnt="6"/>
-      <dgm:spPr/>
-    </dgm:pt>
-    <dgm:pt modelId="{2E2E3990-CAEC-4A84-BCD7-8B57E874DC4F}" type="pres">
-      <dgm:prSet presAssocID="{C3C0F520-EB80-46C9-83E5-D40F817EB263}" presName="childNode1" presStyleLbl="bgAcc1" presStyleIdx="0" presStyleCnt="6">
-        <dgm:presLayoutVars>
-          <dgm:bulletEnabled val="1"/>
-        </dgm:presLayoutVars>
-      </dgm:prSet>
-      <dgm:spPr/>
       <dgm:t>
         <a:bodyPr/>
         <a:lstStyle/>
@@ -1626,8 +1603,28 @@
         </a:p>
       </dgm:t>
     </dgm:pt>
-    <dgm:pt modelId="{D096C6AB-9A6D-43BF-ACAE-637EBCB6E419}" type="pres">
-      <dgm:prSet presAssocID="{C3C0F520-EB80-46C9-83E5-D40F817EB263}" presName="childNode1tx" presStyleLbl="bgAcc1" presStyleIdx="0" presStyleCnt="6">
+    <dgm:pt modelId="{EFFFD710-16F9-407E-B6AD-E0B6F3927C3E}" type="pres">
+      <dgm:prSet presAssocID="{6230060C-9A0E-47FE-B799-EB02DF155E12}" presName="tSp" presStyleCnt="0"/>
+      <dgm:spPr/>
+    </dgm:pt>
+    <dgm:pt modelId="{53058474-D286-4B28-A052-1BCB1577756A}" type="pres">
+      <dgm:prSet presAssocID="{6230060C-9A0E-47FE-B799-EB02DF155E12}" presName="bSp" presStyleCnt="0"/>
+      <dgm:spPr/>
+    </dgm:pt>
+    <dgm:pt modelId="{B416694D-E9CA-497F-9448-2412AB9B8C6A}" type="pres">
+      <dgm:prSet presAssocID="{6230060C-9A0E-47FE-B799-EB02DF155E12}" presName="process" presStyleCnt="0"/>
+      <dgm:spPr/>
+    </dgm:pt>
+    <dgm:pt modelId="{197CF539-6BCE-46AA-A007-365F5892E16A}" type="pres">
+      <dgm:prSet presAssocID="{C3C0F520-EB80-46C9-83E5-D40F817EB263}" presName="composite1" presStyleCnt="0"/>
+      <dgm:spPr/>
+    </dgm:pt>
+    <dgm:pt modelId="{9D0E57F1-A972-4CE0-BB6B-5FE174CAA261}" type="pres">
+      <dgm:prSet presAssocID="{C3C0F520-EB80-46C9-83E5-D40F817EB263}" presName="dummyNode1" presStyleLbl="node1" presStyleIdx="0" presStyleCnt="6"/>
+      <dgm:spPr/>
+    </dgm:pt>
+    <dgm:pt modelId="{2E2E3990-CAEC-4A84-BCD7-8B57E874DC4F}" type="pres">
+      <dgm:prSet presAssocID="{C3C0F520-EB80-46C9-83E5-D40F817EB263}" presName="childNode1" presStyleLbl="bgAcc1" presStyleIdx="0" presStyleCnt="6">
         <dgm:presLayoutVars>
           <dgm:bulletEnabled val="1"/>
         </dgm:presLayoutVars>
@@ -1641,6 +1638,21 @@
         </a:p>
       </dgm:t>
     </dgm:pt>
+    <dgm:pt modelId="{D096C6AB-9A6D-43BF-ACAE-637EBCB6E419}" type="pres">
+      <dgm:prSet presAssocID="{C3C0F520-EB80-46C9-83E5-D40F817EB263}" presName="childNode1tx" presStyleLbl="bgAcc1" presStyleIdx="0" presStyleCnt="6">
+        <dgm:presLayoutVars>
+          <dgm:bulletEnabled val="1"/>
+        </dgm:presLayoutVars>
+      </dgm:prSet>
+      <dgm:spPr/>
+      <dgm:t>
+        <a:bodyPr/>
+        <a:lstStyle/>
+        <a:p>
+          <a:endParaRPr lang="en-US"/>
+        </a:p>
+      </dgm:t>
+    </dgm:pt>
     <dgm:pt modelId="{1331C9D8-FF38-4E3E-A06E-DD9841FED58A}" type="pres">
       <dgm:prSet presAssocID="{C3C0F520-EB80-46C9-83E5-D40F817EB263}" presName="parentNode1" presStyleLbl="node1" presStyleIdx="0" presStyleCnt="6">
         <dgm:presLayoutVars>
@@ -1649,30 +1661,6 @@
         </dgm:presLayoutVars>
       </dgm:prSet>
       <dgm:spPr/>
-    </dgm:pt>
-    <dgm:pt modelId="{178A43D7-EDFB-4745-8C39-98E0928330BF}" type="pres">
-      <dgm:prSet presAssocID="{C3C0F520-EB80-46C9-83E5-D40F817EB263}" presName="connSite1" presStyleCnt="0"/>
-      <dgm:spPr/>
-    </dgm:pt>
-    <dgm:pt modelId="{87DF8362-E840-443E-9575-1C2A5B8085A4}" type="pres">
-      <dgm:prSet presAssocID="{5DCC2C7F-A64D-4097-9072-ADC8AA8A76DB}" presName="Name9" presStyleLbl="sibTrans2D1" presStyleIdx="0" presStyleCnt="5"/>
-      <dgm:spPr/>
-    </dgm:pt>
-    <dgm:pt modelId="{5995B44F-6954-4A08-AC06-45EF96D9F1C3}" type="pres">
-      <dgm:prSet presAssocID="{67D55A03-70D2-4B4D-8E30-989CEA416375}" presName="composite2" presStyleCnt="0"/>
-      <dgm:spPr/>
-    </dgm:pt>
-    <dgm:pt modelId="{5A4DF79B-8170-4D7E-98A6-706FAEA0E65F}" type="pres">
-      <dgm:prSet presAssocID="{67D55A03-70D2-4B4D-8E30-989CEA416375}" presName="dummyNode2" presStyleLbl="node1" presStyleIdx="0" presStyleCnt="6"/>
-      <dgm:spPr/>
-    </dgm:pt>
-    <dgm:pt modelId="{5BCFB396-6583-43F9-B1DC-6547A0B8262A}" type="pres">
-      <dgm:prSet presAssocID="{67D55A03-70D2-4B4D-8E30-989CEA416375}" presName="childNode2" presStyleLbl="bgAcc1" presStyleIdx="1" presStyleCnt="6">
-        <dgm:presLayoutVars>
-          <dgm:bulletEnabled val="1"/>
-        </dgm:presLayoutVars>
-      </dgm:prSet>
-      <dgm:spPr/>
       <dgm:t>
         <a:bodyPr/>
         <a:lstStyle/>
@@ -1681,12 +1669,12 @@
         </a:p>
       </dgm:t>
     </dgm:pt>
-    <dgm:pt modelId="{E84F169D-1266-4753-B4B9-C19C7B7AD37B}" type="pres">
-      <dgm:prSet presAssocID="{67D55A03-70D2-4B4D-8E30-989CEA416375}" presName="childNode2tx" presStyleLbl="bgAcc1" presStyleIdx="1" presStyleCnt="6">
-        <dgm:presLayoutVars>
-          <dgm:bulletEnabled val="1"/>
-        </dgm:presLayoutVars>
-      </dgm:prSet>
+    <dgm:pt modelId="{178A43D7-EDFB-4745-8C39-98E0928330BF}" type="pres">
+      <dgm:prSet presAssocID="{C3C0F520-EB80-46C9-83E5-D40F817EB263}" presName="connSite1" presStyleCnt="0"/>
+      <dgm:spPr/>
+    </dgm:pt>
+    <dgm:pt modelId="{87DF8362-E840-443E-9575-1C2A5B8085A4}" type="pres">
+      <dgm:prSet presAssocID="{5DCC2C7F-A64D-4097-9072-ADC8AA8A76DB}" presName="Name9" presStyleLbl="sibTrans2D1" presStyleIdx="0" presStyleCnt="5"/>
       <dgm:spPr/>
       <dgm:t>
         <a:bodyPr/>
@@ -1696,6 +1684,44 @@
         </a:p>
       </dgm:t>
     </dgm:pt>
+    <dgm:pt modelId="{5995B44F-6954-4A08-AC06-45EF96D9F1C3}" type="pres">
+      <dgm:prSet presAssocID="{67D55A03-70D2-4B4D-8E30-989CEA416375}" presName="composite2" presStyleCnt="0"/>
+      <dgm:spPr/>
+    </dgm:pt>
+    <dgm:pt modelId="{5A4DF79B-8170-4D7E-98A6-706FAEA0E65F}" type="pres">
+      <dgm:prSet presAssocID="{67D55A03-70D2-4B4D-8E30-989CEA416375}" presName="dummyNode2" presStyleLbl="node1" presStyleIdx="0" presStyleCnt="6"/>
+      <dgm:spPr/>
+    </dgm:pt>
+    <dgm:pt modelId="{5BCFB396-6583-43F9-B1DC-6547A0B8262A}" type="pres">
+      <dgm:prSet presAssocID="{67D55A03-70D2-4B4D-8E30-989CEA416375}" presName="childNode2" presStyleLbl="bgAcc1" presStyleIdx="1" presStyleCnt="6">
+        <dgm:presLayoutVars>
+          <dgm:bulletEnabled val="1"/>
+        </dgm:presLayoutVars>
+      </dgm:prSet>
+      <dgm:spPr/>
+      <dgm:t>
+        <a:bodyPr/>
+        <a:lstStyle/>
+        <a:p>
+          <a:endParaRPr lang="en-US"/>
+        </a:p>
+      </dgm:t>
+    </dgm:pt>
+    <dgm:pt modelId="{E84F169D-1266-4753-B4B9-C19C7B7AD37B}" type="pres">
+      <dgm:prSet presAssocID="{67D55A03-70D2-4B4D-8E30-989CEA416375}" presName="childNode2tx" presStyleLbl="bgAcc1" presStyleIdx="1" presStyleCnt="6">
+        <dgm:presLayoutVars>
+          <dgm:bulletEnabled val="1"/>
+        </dgm:presLayoutVars>
+      </dgm:prSet>
+      <dgm:spPr/>
+      <dgm:t>
+        <a:bodyPr/>
+        <a:lstStyle/>
+        <a:p>
+          <a:endParaRPr lang="en-US"/>
+        </a:p>
+      </dgm:t>
+    </dgm:pt>
     <dgm:pt modelId="{FD63CC8F-41AB-490E-8382-83DA86C20EAF}" type="pres">
       <dgm:prSet presAssocID="{67D55A03-70D2-4B4D-8E30-989CEA416375}" presName="parentNode2" presStyleLbl="node1" presStyleIdx="1" presStyleCnt="6">
         <dgm:presLayoutVars>
@@ -1704,30 +1730,6 @@
         </dgm:presLayoutVars>
       </dgm:prSet>
       <dgm:spPr/>
-    </dgm:pt>
-    <dgm:pt modelId="{11796BB0-1190-4FD4-BB77-3FD4B969E0F4}" type="pres">
-      <dgm:prSet presAssocID="{67D55A03-70D2-4B4D-8E30-989CEA416375}" presName="connSite2" presStyleCnt="0"/>
-      <dgm:spPr/>
-    </dgm:pt>
-    <dgm:pt modelId="{65F3E6B6-C697-44B5-9831-8D5F7C2D3345}" type="pres">
-      <dgm:prSet presAssocID="{DEBFC946-0300-459A-890A-CA0BB7E35702}" presName="Name18" presStyleLbl="sibTrans2D1" presStyleIdx="1" presStyleCnt="5"/>
-      <dgm:spPr/>
-    </dgm:pt>
-    <dgm:pt modelId="{955F24AE-54A1-41DC-877F-9F75DC1A226E}" type="pres">
-      <dgm:prSet presAssocID="{88F38C57-B4E6-4A25-AE47-88C4AC2472A2}" presName="composite1" presStyleCnt="0"/>
-      <dgm:spPr/>
-    </dgm:pt>
-    <dgm:pt modelId="{CFC52CF7-8091-4458-8F6E-221E89D9A2F2}" type="pres">
-      <dgm:prSet presAssocID="{88F38C57-B4E6-4A25-AE47-88C4AC2472A2}" presName="dummyNode1" presStyleLbl="node1" presStyleIdx="1" presStyleCnt="6"/>
-      <dgm:spPr/>
-    </dgm:pt>
-    <dgm:pt modelId="{D2ACC1CB-9EA4-42C0-8F50-84C604BA3B16}" type="pres">
-      <dgm:prSet presAssocID="{88F38C57-B4E6-4A25-AE47-88C4AC2472A2}" presName="childNode1" presStyleLbl="bgAcc1" presStyleIdx="2" presStyleCnt="6">
-        <dgm:presLayoutVars>
-          <dgm:bulletEnabled val="1"/>
-        </dgm:presLayoutVars>
-      </dgm:prSet>
-      <dgm:spPr/>
       <dgm:t>
         <a:bodyPr/>
         <a:lstStyle/>
@@ -1736,12 +1738,12 @@
         </a:p>
       </dgm:t>
     </dgm:pt>
-    <dgm:pt modelId="{7DFE157D-E01C-4F63-BBD6-A103D401490B}" type="pres">
-      <dgm:prSet presAssocID="{88F38C57-B4E6-4A25-AE47-88C4AC2472A2}" presName="childNode1tx" presStyleLbl="bgAcc1" presStyleIdx="2" presStyleCnt="6">
-        <dgm:presLayoutVars>
-          <dgm:bulletEnabled val="1"/>
-        </dgm:presLayoutVars>
-      </dgm:prSet>
+    <dgm:pt modelId="{11796BB0-1190-4FD4-BB77-3FD4B969E0F4}" type="pres">
+      <dgm:prSet presAssocID="{67D55A03-70D2-4B4D-8E30-989CEA416375}" presName="connSite2" presStyleCnt="0"/>
+      <dgm:spPr/>
+    </dgm:pt>
+    <dgm:pt modelId="{65F3E6B6-C697-44B5-9831-8D5F7C2D3345}" type="pres">
+      <dgm:prSet presAssocID="{DEBFC946-0300-459A-890A-CA0BB7E35702}" presName="Name18" presStyleLbl="sibTrans2D1" presStyleIdx="1" presStyleCnt="5"/>
       <dgm:spPr/>
       <dgm:t>
         <a:bodyPr/>
@@ -1751,6 +1753,44 @@
         </a:p>
       </dgm:t>
     </dgm:pt>
+    <dgm:pt modelId="{955F24AE-54A1-41DC-877F-9F75DC1A226E}" type="pres">
+      <dgm:prSet presAssocID="{88F38C57-B4E6-4A25-AE47-88C4AC2472A2}" presName="composite1" presStyleCnt="0"/>
+      <dgm:spPr/>
+    </dgm:pt>
+    <dgm:pt modelId="{CFC52CF7-8091-4458-8F6E-221E89D9A2F2}" type="pres">
+      <dgm:prSet presAssocID="{88F38C57-B4E6-4A25-AE47-88C4AC2472A2}" presName="dummyNode1" presStyleLbl="node1" presStyleIdx="1" presStyleCnt="6"/>
+      <dgm:spPr/>
+    </dgm:pt>
+    <dgm:pt modelId="{D2ACC1CB-9EA4-42C0-8F50-84C604BA3B16}" type="pres">
+      <dgm:prSet presAssocID="{88F38C57-B4E6-4A25-AE47-88C4AC2472A2}" presName="childNode1" presStyleLbl="bgAcc1" presStyleIdx="2" presStyleCnt="6">
+        <dgm:presLayoutVars>
+          <dgm:bulletEnabled val="1"/>
+        </dgm:presLayoutVars>
+      </dgm:prSet>
+      <dgm:spPr/>
+      <dgm:t>
+        <a:bodyPr/>
+        <a:lstStyle/>
+        <a:p>
+          <a:endParaRPr lang="en-US"/>
+        </a:p>
+      </dgm:t>
+    </dgm:pt>
+    <dgm:pt modelId="{7DFE157D-E01C-4F63-BBD6-A103D401490B}" type="pres">
+      <dgm:prSet presAssocID="{88F38C57-B4E6-4A25-AE47-88C4AC2472A2}" presName="childNode1tx" presStyleLbl="bgAcc1" presStyleIdx="2" presStyleCnt="6">
+        <dgm:presLayoutVars>
+          <dgm:bulletEnabled val="1"/>
+        </dgm:presLayoutVars>
+      </dgm:prSet>
+      <dgm:spPr/>
+      <dgm:t>
+        <a:bodyPr/>
+        <a:lstStyle/>
+        <a:p>
+          <a:endParaRPr lang="en-US"/>
+        </a:p>
+      </dgm:t>
+    </dgm:pt>
     <dgm:pt modelId="{1C8A6DDE-3B95-4A69-9375-F84E0C8BA8A1}" type="pres">
       <dgm:prSet presAssocID="{88F38C57-B4E6-4A25-AE47-88C4AC2472A2}" presName="parentNode1" presStyleLbl="node1" presStyleIdx="2" presStyleCnt="6">
         <dgm:presLayoutVars>
@@ -1774,22 +1814,6 @@
     <dgm:pt modelId="{CE4101C5-D163-46B4-B432-2B3878AE4831}" type="pres">
       <dgm:prSet presAssocID="{C823A56E-194E-4E21-8909-C025987B6EE8}" presName="Name9" presStyleLbl="sibTrans2D1" presStyleIdx="2" presStyleCnt="5"/>
       <dgm:spPr/>
-    </dgm:pt>
-    <dgm:pt modelId="{5A7D2A9A-C1B5-457B-9AD8-003A92B92800}" type="pres">
-      <dgm:prSet presAssocID="{2CC656F9-9F13-4CCA-B18F-0D15DEFABBF6}" presName="composite2" presStyleCnt="0"/>
-      <dgm:spPr/>
-    </dgm:pt>
-    <dgm:pt modelId="{E9218D80-5EA1-4188-BDC7-77C6D5BEA5BD}" type="pres">
-      <dgm:prSet presAssocID="{2CC656F9-9F13-4CCA-B18F-0D15DEFABBF6}" presName="dummyNode2" presStyleLbl="node1" presStyleIdx="2" presStyleCnt="6"/>
-      <dgm:spPr/>
-    </dgm:pt>
-    <dgm:pt modelId="{D5B73239-6996-47C4-9D3C-2708C6CA9B3F}" type="pres">
-      <dgm:prSet presAssocID="{2CC656F9-9F13-4CCA-B18F-0D15DEFABBF6}" presName="childNode2" presStyleLbl="bgAcc1" presStyleIdx="3" presStyleCnt="6">
-        <dgm:presLayoutVars>
-          <dgm:bulletEnabled val="1"/>
-        </dgm:presLayoutVars>
-      </dgm:prSet>
-      <dgm:spPr/>
       <dgm:t>
         <a:bodyPr/>
         <a:lstStyle/>
@@ -1798,8 +1822,16 @@
         </a:p>
       </dgm:t>
     </dgm:pt>
-    <dgm:pt modelId="{8A1DA299-2FA3-40ED-A4F1-3B9246CE2BE4}" type="pres">
-      <dgm:prSet presAssocID="{2CC656F9-9F13-4CCA-B18F-0D15DEFABBF6}" presName="childNode2tx" presStyleLbl="bgAcc1" presStyleIdx="3" presStyleCnt="6">
+    <dgm:pt modelId="{5A7D2A9A-C1B5-457B-9AD8-003A92B92800}" type="pres">
+      <dgm:prSet presAssocID="{2CC656F9-9F13-4CCA-B18F-0D15DEFABBF6}" presName="composite2" presStyleCnt="0"/>
+      <dgm:spPr/>
+    </dgm:pt>
+    <dgm:pt modelId="{E9218D80-5EA1-4188-BDC7-77C6D5BEA5BD}" type="pres">
+      <dgm:prSet presAssocID="{2CC656F9-9F13-4CCA-B18F-0D15DEFABBF6}" presName="dummyNode2" presStyleLbl="node1" presStyleIdx="2" presStyleCnt="6"/>
+      <dgm:spPr/>
+    </dgm:pt>
+    <dgm:pt modelId="{D5B73239-6996-47C4-9D3C-2708C6CA9B3F}" type="pres">
+      <dgm:prSet presAssocID="{2CC656F9-9F13-4CCA-B18F-0D15DEFABBF6}" presName="childNode2" presStyleLbl="bgAcc1" presStyleIdx="3" presStyleCnt="6">
         <dgm:presLayoutVars>
           <dgm:bulletEnabled val="1"/>
         </dgm:presLayoutVars>
@@ -1813,6 +1845,21 @@
         </a:p>
       </dgm:t>
     </dgm:pt>
+    <dgm:pt modelId="{8A1DA299-2FA3-40ED-A4F1-3B9246CE2BE4}" type="pres">
+      <dgm:prSet presAssocID="{2CC656F9-9F13-4CCA-B18F-0D15DEFABBF6}" presName="childNode2tx" presStyleLbl="bgAcc1" presStyleIdx="3" presStyleCnt="6">
+        <dgm:presLayoutVars>
+          <dgm:bulletEnabled val="1"/>
+        </dgm:presLayoutVars>
+      </dgm:prSet>
+      <dgm:spPr/>
+      <dgm:t>
+        <a:bodyPr/>
+        <a:lstStyle/>
+        <a:p>
+          <a:endParaRPr lang="en-US"/>
+        </a:p>
+      </dgm:t>
+    </dgm:pt>
     <dgm:pt modelId="{24A97BD1-0D55-4FBF-A308-DABE3170EAD8}" type="pres">
       <dgm:prSet presAssocID="{2CC656F9-9F13-4CCA-B18F-0D15DEFABBF6}" presName="parentNode2" presStyleLbl="node1" presStyleIdx="3" presStyleCnt="6">
         <dgm:presLayoutVars>
@@ -1821,30 +1868,6 @@
         </dgm:presLayoutVars>
       </dgm:prSet>
       <dgm:spPr/>
-    </dgm:pt>
-    <dgm:pt modelId="{E811B237-0C45-476D-AC5D-19DDDC072896}" type="pres">
-      <dgm:prSet presAssocID="{2CC656F9-9F13-4CCA-B18F-0D15DEFABBF6}" presName="connSite2" presStyleCnt="0"/>
-      <dgm:spPr/>
-    </dgm:pt>
-    <dgm:pt modelId="{C128CD11-251B-4823-A9AD-8FFD2E4C67C1}" type="pres">
-      <dgm:prSet presAssocID="{06FD9BBF-84B5-4D6E-A3B4-C20E01633AFC}" presName="Name18" presStyleLbl="sibTrans2D1" presStyleIdx="3" presStyleCnt="5"/>
-      <dgm:spPr/>
-    </dgm:pt>
-    <dgm:pt modelId="{EEE16480-02CF-4817-9DE9-EDE6219049F2}" type="pres">
-      <dgm:prSet presAssocID="{F445BF59-C93E-41AF-BDFF-BA388513E695}" presName="composite1" presStyleCnt="0"/>
-      <dgm:spPr/>
-    </dgm:pt>
-    <dgm:pt modelId="{990702D6-BF07-4166-9F27-60B2A1E0F882}" type="pres">
-      <dgm:prSet presAssocID="{F445BF59-C93E-41AF-BDFF-BA388513E695}" presName="dummyNode1" presStyleLbl="node1" presStyleIdx="3" presStyleCnt="6"/>
-      <dgm:spPr/>
-    </dgm:pt>
-    <dgm:pt modelId="{A99F7883-E3C2-4BC7-AFCA-CE08019C5CCA}" type="pres">
-      <dgm:prSet presAssocID="{F445BF59-C93E-41AF-BDFF-BA388513E695}" presName="childNode1" presStyleLbl="bgAcc1" presStyleIdx="4" presStyleCnt="6">
-        <dgm:presLayoutVars>
-          <dgm:bulletEnabled val="1"/>
-        </dgm:presLayoutVars>
-      </dgm:prSet>
-      <dgm:spPr/>
       <dgm:t>
         <a:bodyPr/>
         <a:lstStyle/>
@@ -1853,12 +1876,12 @@
         </a:p>
       </dgm:t>
     </dgm:pt>
-    <dgm:pt modelId="{75359812-F5DC-45DD-9C57-D6D5B056C654}" type="pres">
-      <dgm:prSet presAssocID="{F445BF59-C93E-41AF-BDFF-BA388513E695}" presName="childNode1tx" presStyleLbl="bgAcc1" presStyleIdx="4" presStyleCnt="6">
-        <dgm:presLayoutVars>
-          <dgm:bulletEnabled val="1"/>
-        </dgm:presLayoutVars>
-      </dgm:prSet>
+    <dgm:pt modelId="{E811B237-0C45-476D-AC5D-19DDDC072896}" type="pres">
+      <dgm:prSet presAssocID="{2CC656F9-9F13-4CCA-B18F-0D15DEFABBF6}" presName="connSite2" presStyleCnt="0"/>
+      <dgm:spPr/>
+    </dgm:pt>
+    <dgm:pt modelId="{C128CD11-251B-4823-A9AD-8FFD2E4C67C1}" type="pres">
+      <dgm:prSet presAssocID="{06FD9BBF-84B5-4D6E-A3B4-C20E01633AFC}" presName="Name18" presStyleLbl="sibTrans2D1" presStyleIdx="3" presStyleCnt="5"/>
       <dgm:spPr/>
       <dgm:t>
         <a:bodyPr/>
@@ -1868,6 +1891,44 @@
         </a:p>
       </dgm:t>
     </dgm:pt>
+    <dgm:pt modelId="{EEE16480-02CF-4817-9DE9-EDE6219049F2}" type="pres">
+      <dgm:prSet presAssocID="{F445BF59-C93E-41AF-BDFF-BA388513E695}" presName="composite1" presStyleCnt="0"/>
+      <dgm:spPr/>
+    </dgm:pt>
+    <dgm:pt modelId="{990702D6-BF07-4166-9F27-60B2A1E0F882}" type="pres">
+      <dgm:prSet presAssocID="{F445BF59-C93E-41AF-BDFF-BA388513E695}" presName="dummyNode1" presStyleLbl="node1" presStyleIdx="3" presStyleCnt="6"/>
+      <dgm:spPr/>
+    </dgm:pt>
+    <dgm:pt modelId="{A99F7883-E3C2-4BC7-AFCA-CE08019C5CCA}" type="pres">
+      <dgm:prSet presAssocID="{F445BF59-C93E-41AF-BDFF-BA388513E695}" presName="childNode1" presStyleLbl="bgAcc1" presStyleIdx="4" presStyleCnt="6">
+        <dgm:presLayoutVars>
+          <dgm:bulletEnabled val="1"/>
+        </dgm:presLayoutVars>
+      </dgm:prSet>
+      <dgm:spPr/>
+      <dgm:t>
+        <a:bodyPr/>
+        <a:lstStyle/>
+        <a:p>
+          <a:endParaRPr lang="en-US"/>
+        </a:p>
+      </dgm:t>
+    </dgm:pt>
+    <dgm:pt modelId="{75359812-F5DC-45DD-9C57-D6D5B056C654}" type="pres">
+      <dgm:prSet presAssocID="{F445BF59-C93E-41AF-BDFF-BA388513E695}" presName="childNode1tx" presStyleLbl="bgAcc1" presStyleIdx="4" presStyleCnt="6">
+        <dgm:presLayoutVars>
+          <dgm:bulletEnabled val="1"/>
+        </dgm:presLayoutVars>
+      </dgm:prSet>
+      <dgm:spPr/>
+      <dgm:t>
+        <a:bodyPr/>
+        <a:lstStyle/>
+        <a:p>
+          <a:endParaRPr lang="en-US"/>
+        </a:p>
+      </dgm:t>
+    </dgm:pt>
     <dgm:pt modelId="{E805EB19-86A7-453C-8EAB-DE08B33403B3}" type="pres">
       <dgm:prSet presAssocID="{F445BF59-C93E-41AF-BDFF-BA388513E695}" presName="parentNode1" presStyleLbl="node1" presStyleIdx="4" presStyleCnt="6">
         <dgm:presLayoutVars>
@@ -1876,30 +1937,6 @@
         </dgm:presLayoutVars>
       </dgm:prSet>
       <dgm:spPr/>
-    </dgm:pt>
-    <dgm:pt modelId="{09CB9589-318C-4880-97F7-4726CDD2B8ED}" type="pres">
-      <dgm:prSet presAssocID="{F445BF59-C93E-41AF-BDFF-BA388513E695}" presName="connSite1" presStyleCnt="0"/>
-      <dgm:spPr/>
-    </dgm:pt>
-    <dgm:pt modelId="{648F1E6A-EE4A-4199-AB79-C9444012584E}" type="pres">
-      <dgm:prSet presAssocID="{9D02E1D5-4836-4CF5-A24B-40AA10528599}" presName="Name9" presStyleLbl="sibTrans2D1" presStyleIdx="4" presStyleCnt="5"/>
-      <dgm:spPr/>
-    </dgm:pt>
-    <dgm:pt modelId="{CA7F6EC6-83C4-4F5C-8016-AB928F215E44}" type="pres">
-      <dgm:prSet presAssocID="{192F0E4A-D040-406C-B5C6-8AC747F77218}" presName="composite2" presStyleCnt="0"/>
-      <dgm:spPr/>
-    </dgm:pt>
-    <dgm:pt modelId="{0D9409DC-29DE-4E16-89B4-4A0B4A2964FE}" type="pres">
-      <dgm:prSet presAssocID="{192F0E4A-D040-406C-B5C6-8AC747F77218}" presName="dummyNode2" presStyleLbl="node1" presStyleIdx="4" presStyleCnt="6"/>
-      <dgm:spPr/>
-    </dgm:pt>
-    <dgm:pt modelId="{020CDEE5-5E31-4889-A6B8-B001F754819A}" type="pres">
-      <dgm:prSet presAssocID="{192F0E4A-D040-406C-B5C6-8AC747F77218}" presName="childNode2" presStyleLbl="bgAcc1" presStyleIdx="5" presStyleCnt="6">
-        <dgm:presLayoutVars>
-          <dgm:bulletEnabled val="1"/>
-        </dgm:presLayoutVars>
-      </dgm:prSet>
-      <dgm:spPr/>
       <dgm:t>
         <a:bodyPr/>
         <a:lstStyle/>
@@ -1908,12 +1945,12 @@
         </a:p>
       </dgm:t>
     </dgm:pt>
-    <dgm:pt modelId="{27BA2139-3986-4D9E-BE76-610CB56DCEBF}" type="pres">
-      <dgm:prSet presAssocID="{192F0E4A-D040-406C-B5C6-8AC747F77218}" presName="childNode2tx" presStyleLbl="bgAcc1" presStyleIdx="5" presStyleCnt="6">
-        <dgm:presLayoutVars>
-          <dgm:bulletEnabled val="1"/>
-        </dgm:presLayoutVars>
-      </dgm:prSet>
+    <dgm:pt modelId="{09CB9589-318C-4880-97F7-4726CDD2B8ED}" type="pres">
+      <dgm:prSet presAssocID="{F445BF59-C93E-41AF-BDFF-BA388513E695}" presName="connSite1" presStyleCnt="0"/>
+      <dgm:spPr/>
+    </dgm:pt>
+    <dgm:pt modelId="{648F1E6A-EE4A-4199-AB79-C9444012584E}" type="pres">
+      <dgm:prSet presAssocID="{9D02E1D5-4836-4CF5-A24B-40AA10528599}" presName="Name9" presStyleLbl="sibTrans2D1" presStyleIdx="4" presStyleCnt="5"/>
       <dgm:spPr/>
       <dgm:t>
         <a:bodyPr/>
@@ -1923,6 +1960,44 @@
         </a:p>
       </dgm:t>
     </dgm:pt>
+    <dgm:pt modelId="{CA7F6EC6-83C4-4F5C-8016-AB928F215E44}" type="pres">
+      <dgm:prSet presAssocID="{192F0E4A-D040-406C-B5C6-8AC747F77218}" presName="composite2" presStyleCnt="0"/>
+      <dgm:spPr/>
+    </dgm:pt>
+    <dgm:pt modelId="{0D9409DC-29DE-4E16-89B4-4A0B4A2964FE}" type="pres">
+      <dgm:prSet presAssocID="{192F0E4A-D040-406C-B5C6-8AC747F77218}" presName="dummyNode2" presStyleLbl="node1" presStyleIdx="4" presStyleCnt="6"/>
+      <dgm:spPr/>
+    </dgm:pt>
+    <dgm:pt modelId="{020CDEE5-5E31-4889-A6B8-B001F754819A}" type="pres">
+      <dgm:prSet presAssocID="{192F0E4A-D040-406C-B5C6-8AC747F77218}" presName="childNode2" presStyleLbl="bgAcc1" presStyleIdx="5" presStyleCnt="6">
+        <dgm:presLayoutVars>
+          <dgm:bulletEnabled val="1"/>
+        </dgm:presLayoutVars>
+      </dgm:prSet>
+      <dgm:spPr/>
+      <dgm:t>
+        <a:bodyPr/>
+        <a:lstStyle/>
+        <a:p>
+          <a:endParaRPr lang="en-US"/>
+        </a:p>
+      </dgm:t>
+    </dgm:pt>
+    <dgm:pt modelId="{27BA2139-3986-4D9E-BE76-610CB56DCEBF}" type="pres">
+      <dgm:prSet presAssocID="{192F0E4A-D040-406C-B5C6-8AC747F77218}" presName="childNode2tx" presStyleLbl="bgAcc1" presStyleIdx="5" presStyleCnt="6">
+        <dgm:presLayoutVars>
+          <dgm:bulletEnabled val="1"/>
+        </dgm:presLayoutVars>
+      </dgm:prSet>
+      <dgm:spPr/>
+      <dgm:t>
+        <a:bodyPr/>
+        <a:lstStyle/>
+        <a:p>
+          <a:endParaRPr lang="en-US"/>
+        </a:p>
+      </dgm:t>
+    </dgm:pt>
     <dgm:pt modelId="{9C5FBD1F-36F6-489D-AA4B-C9D6C6C7ABB7}" type="pres">
       <dgm:prSet presAssocID="{192F0E4A-D040-406C-B5C6-8AC747F77218}" presName="parentNode2" presStyleLbl="node1" presStyleIdx="5" presStyleCnt="6">
         <dgm:presLayoutVars>
@@ -1931,6 +2006,13 @@
         </dgm:presLayoutVars>
       </dgm:prSet>
       <dgm:spPr/>
+      <dgm:t>
+        <a:bodyPr/>
+        <a:lstStyle/>
+        <a:p>
+          <a:endParaRPr lang="en-US"/>
+        </a:p>
+      </dgm:t>
     </dgm:pt>
     <dgm:pt modelId="{24EFDCCA-4ACA-4533-9C10-41EBDE5B0FF8}" type="pres">
       <dgm:prSet presAssocID="{192F0E4A-D040-406C-B5C6-8AC747F77218}" presName="connSite2" presStyleCnt="0"/>
@@ -1938,63 +2020,63 @@
     </dgm:pt>
   </dgm:ptLst>
   <dgm:cxnLst>
-    <dgm:cxn modelId="{8D7B4D45-A537-4385-8809-F302E2777AA3}" type="presOf" srcId="{192F0E4A-D040-406C-B5C6-8AC747F77218}" destId="{9C5FBD1F-36F6-489D-AA4B-C9D6C6C7ABB7}" srcOrd="0" destOrd="0" presId="urn:microsoft.com/office/officeart/2005/8/layout/hProcess4"/>
-    <dgm:cxn modelId="{7EE503D6-705A-4DAB-848E-3DA797FA60CB}" type="presOf" srcId="{6A5778B9-4E34-4B1D-BCD4-D9DF5A9E80F7}" destId="{75359812-F5DC-45DD-9C57-D6D5B056C654}" srcOrd="1" destOrd="0" presId="urn:microsoft.com/office/officeart/2005/8/layout/hProcess4"/>
+    <dgm:cxn modelId="{7C072573-5DAA-4042-9431-A89A58A4A2CE}" type="presOf" srcId="{0A025CA6-1E5A-4002-8BC8-5BFE7D5ED043}" destId="{75359812-F5DC-45DD-9C57-D6D5B056C654}" srcOrd="1" destOrd="2" presId="urn:microsoft.com/office/officeart/2005/8/layout/hProcess4"/>
+    <dgm:cxn modelId="{C15E38DD-018F-4B9E-8CD0-D4D352D434C7}" type="presOf" srcId="{C823A56E-194E-4E21-8909-C025987B6EE8}" destId="{CE4101C5-D163-46B4-B432-2B3878AE4831}" srcOrd="0" destOrd="0" presId="urn:microsoft.com/office/officeart/2005/8/layout/hProcess4"/>
+    <dgm:cxn modelId="{0A6C6C5F-C2BC-4273-8887-F7E2813B9E45}" srcId="{2CC656F9-9F13-4CCA-B18F-0D15DEFABBF6}" destId="{A4573339-CF17-4466-B4D1-10AC94AD9DB2}" srcOrd="0" destOrd="0" parTransId="{6F899CED-5652-41D9-9B5D-3D67F92FFA76}" sibTransId="{EB8B2CD2-4BC0-4EA8-A9FD-1C517BD9BE51}"/>
+    <dgm:cxn modelId="{DA179173-EF4A-4579-8DD8-2CFA420DFAC5}" type="presOf" srcId="{04C5748F-5C85-49E6-9CD5-0E2BE2A2E714}" destId="{E84F169D-1266-4753-B4B9-C19C7B7AD37B}" srcOrd="1" destOrd="0" presId="urn:microsoft.com/office/officeart/2005/8/layout/hProcess4"/>
+    <dgm:cxn modelId="{2680D089-3B89-4E26-ADCF-27898C9C2393}" srcId="{C3C0F520-EB80-46C9-83E5-D40F817EB263}" destId="{F0C61C16-8468-4968-8BD3-ECD1606F80D6}" srcOrd="1" destOrd="0" parTransId="{696EF798-CAA3-497A-865D-78A48E7A214C}" sibTransId="{0676BBBF-4F70-4D2F-91D9-76C4B379594F}"/>
+    <dgm:cxn modelId="{43774E11-6B0B-4CF4-8454-A4572A8ACE34}" type="presOf" srcId="{5DCC2C7F-A64D-4097-9072-ADC8AA8A76DB}" destId="{87DF8362-E840-443E-9575-1C2A5B8085A4}" srcOrd="0" destOrd="0" presId="urn:microsoft.com/office/officeart/2005/8/layout/hProcess4"/>
+    <dgm:cxn modelId="{E5CB74C5-8B43-4D55-9EFA-09DF21B2E33A}" type="presOf" srcId="{82144300-57C6-4B7D-B3D5-F49ED8F4277D}" destId="{2E2E3990-CAEC-4A84-BCD7-8B57E874DC4F}" srcOrd="0" destOrd="0" presId="urn:microsoft.com/office/officeart/2005/8/layout/hProcess4"/>
     <dgm:cxn modelId="{1F321D1E-CB74-42D8-B7E5-692860D44756}" srcId="{67D55A03-70D2-4B4D-8E30-989CEA416375}" destId="{04C5748F-5C85-49E6-9CD5-0E2BE2A2E714}" srcOrd="0" destOrd="0" parTransId="{1CF22821-A6B5-4427-9D83-60B0A296E864}" sibTransId="{EC6F8C34-B6EB-4E34-873D-5F16FD43AB7D}"/>
-    <dgm:cxn modelId="{645A9AB7-D6C0-4246-8365-B40D57F6EAAF}" type="presOf" srcId="{DEBFC946-0300-459A-890A-CA0BB7E35702}" destId="{65F3E6B6-C697-44B5-9831-8D5F7C2D3345}" srcOrd="0" destOrd="0" presId="urn:microsoft.com/office/officeart/2005/8/layout/hProcess4"/>
-    <dgm:cxn modelId="{0D1CD491-883F-47F9-B79A-AE8C06626664}" type="presOf" srcId="{38B24B6D-C22A-40A2-9705-72747FD0EC96}" destId="{75359812-F5DC-45DD-9C57-D6D5B056C654}" srcOrd="1" destOrd="3" presId="urn:microsoft.com/office/officeart/2005/8/layout/hProcess4"/>
-    <dgm:cxn modelId="{35D7CDE5-BCF2-44B6-9662-A6BC415FF197}" srcId="{6230060C-9A0E-47FE-B799-EB02DF155E12}" destId="{192F0E4A-D040-406C-B5C6-8AC747F77218}" srcOrd="5" destOrd="0" parTransId="{6BE57D62-99E8-4B22-BCFC-358D9E321092}" sibTransId="{09B1AABB-8DB6-41A2-9820-FED3C5546BE8}"/>
+    <dgm:cxn modelId="{CC06D817-3EE7-46B3-A7A3-02703A770D59}" srcId="{6230060C-9A0E-47FE-B799-EB02DF155E12}" destId="{88F38C57-B4E6-4A25-AE47-88C4AC2472A2}" srcOrd="2" destOrd="0" parTransId="{E2250E4B-4465-424D-BCFE-429B6131C29D}" sibTransId="{C823A56E-194E-4E21-8909-C025987B6EE8}"/>
+    <dgm:cxn modelId="{7C8DFF4F-73C0-416E-8B9F-B1E9A79FAABA}" type="presOf" srcId="{67D55A03-70D2-4B4D-8E30-989CEA416375}" destId="{FD63CC8F-41AB-490E-8382-83DA86C20EAF}" srcOrd="0" destOrd="0" presId="urn:microsoft.com/office/officeart/2005/8/layout/hProcess4"/>
+    <dgm:cxn modelId="{C1060520-882F-45DF-B7ED-CEA5C1022E77}" type="presOf" srcId="{6230060C-9A0E-47FE-B799-EB02DF155E12}" destId="{EA4B579D-B381-4E78-A17B-65385890D2CB}" srcOrd="0" destOrd="0" presId="urn:microsoft.com/office/officeart/2005/8/layout/hProcess4"/>
+    <dgm:cxn modelId="{3354D633-140B-429D-9FEE-F7E96078D15E}" type="presOf" srcId="{7A60643E-391F-4951-8DD8-C6B328603D75}" destId="{020CDEE5-5E31-4889-A6B8-B001F754819A}" srcOrd="0" destOrd="0" presId="urn:microsoft.com/office/officeart/2005/8/layout/hProcess4"/>
+    <dgm:cxn modelId="{BD2BCF7F-09A5-418F-828C-0AF4E675B269}" srcId="{C3C0F520-EB80-46C9-83E5-D40F817EB263}" destId="{82144300-57C6-4B7D-B3D5-F49ED8F4277D}" srcOrd="0" destOrd="0" parTransId="{3395AD91-76E3-4163-86DF-8D865F519016}" sibTransId="{659BB97C-608C-49BF-BBCB-196E043E5195}"/>
+    <dgm:cxn modelId="{F2193550-285E-4B7E-A555-57552665FB0F}" type="presOf" srcId="{A4573339-CF17-4466-B4D1-10AC94AD9DB2}" destId="{D5B73239-6996-47C4-9D3C-2708C6CA9B3F}" srcOrd="0" destOrd="0" presId="urn:microsoft.com/office/officeart/2005/8/layout/hProcess4"/>
+    <dgm:cxn modelId="{9FEC59B1-0A01-4384-A87E-A64FFE79FC32}" type="presOf" srcId="{F0C61C16-8468-4968-8BD3-ECD1606F80D6}" destId="{2E2E3990-CAEC-4A84-BCD7-8B57E874DC4F}" srcOrd="0" destOrd="1" presId="urn:microsoft.com/office/officeart/2005/8/layout/hProcess4"/>
+    <dgm:cxn modelId="{CAF97024-245C-466D-AA35-AFDE14D99CBB}" srcId="{192F0E4A-D040-406C-B5C6-8AC747F77218}" destId="{7A60643E-391F-4951-8DD8-C6B328603D75}" srcOrd="0" destOrd="0" parTransId="{2EFEAFD3-16C9-46AC-ACD3-4E6B8C899C04}" sibTransId="{C8F579CB-1092-4501-B1A1-D89761E7090F}"/>
+    <dgm:cxn modelId="{7499EC86-D45D-43A5-8B35-1DADDB984EE8}" type="presOf" srcId="{34A7DACE-ACF8-4A42-A46A-C45676F5929D}" destId="{D5B73239-6996-47C4-9D3C-2708C6CA9B3F}" srcOrd="0" destOrd="1" presId="urn:microsoft.com/office/officeart/2005/8/layout/hProcess4"/>
     <dgm:cxn modelId="{61966DFB-8B1D-46ED-92FA-42263CFEEC2B}" srcId="{F445BF59-C93E-41AF-BDFF-BA388513E695}" destId="{355189D0-F3AA-494C-9124-085D1CAB2DF9}" srcOrd="1" destOrd="0" parTransId="{BED9E23E-D9D0-4CF6-A551-BCF8CF5B9303}" sibTransId="{E50D987D-9D11-4F97-A9EA-50AC373FD63E}"/>
-    <dgm:cxn modelId="{DA179173-EF4A-4579-8DD8-2CFA420DFAC5}" type="presOf" srcId="{04C5748F-5C85-49E6-9CD5-0E2BE2A2E714}" destId="{E84F169D-1266-4753-B4B9-C19C7B7AD37B}" srcOrd="1" destOrd="0" presId="urn:microsoft.com/office/officeart/2005/8/layout/hProcess4"/>
-    <dgm:cxn modelId="{BD2D1C81-954D-4B78-88A0-6EF29AFA9F05}" type="presOf" srcId="{3197B58F-CCA7-4F24-9FC6-51961D55CD66}" destId="{E84F169D-1266-4753-B4B9-C19C7B7AD37B}" srcOrd="1" destOrd="1" presId="urn:microsoft.com/office/officeart/2005/8/layout/hProcess4"/>
-    <dgm:cxn modelId="{D165E85F-BE4C-4743-9B11-9FDB0C4270BE}" type="presOf" srcId="{1F3ECA94-EE22-4667-8B5F-7422EF8870A2}" destId="{7DFE157D-E01C-4F63-BBD6-A103D401490B}" srcOrd="1" destOrd="0" presId="urn:microsoft.com/office/officeart/2005/8/layout/hProcess4"/>
-    <dgm:cxn modelId="{44A9CAE5-A44A-482D-B60B-F082975983C2}" type="presOf" srcId="{88F38C57-B4E6-4A25-AE47-88C4AC2472A2}" destId="{1C8A6DDE-3B95-4A69-9375-F84E0C8BA8A1}" srcOrd="0" destOrd="0" presId="urn:microsoft.com/office/officeart/2005/8/layout/hProcess4"/>
-    <dgm:cxn modelId="{AB8E9A76-2097-40F2-A2C2-DF2BF480D209}" type="presOf" srcId="{06FD9BBF-84B5-4D6E-A3B4-C20E01633AFC}" destId="{C128CD11-251B-4823-A9AD-8FFD2E4C67C1}" srcOrd="0" destOrd="0" presId="urn:microsoft.com/office/officeart/2005/8/layout/hProcess4"/>
-    <dgm:cxn modelId="{460332C4-3764-45E9-AB56-1BB0045C7DD2}" type="presOf" srcId="{1F3ECA94-EE22-4667-8B5F-7422EF8870A2}" destId="{D2ACC1CB-9EA4-42C0-8F50-84C604BA3B16}" srcOrd="0" destOrd="0" presId="urn:microsoft.com/office/officeart/2005/8/layout/hProcess4"/>
-    <dgm:cxn modelId="{F92904C8-1B4C-4D7B-B919-5C8DF8A06D12}" type="presOf" srcId="{F445BF59-C93E-41AF-BDFF-BA388513E695}" destId="{E805EB19-86A7-453C-8EAB-DE08B33403B3}" srcOrd="0" destOrd="0" presId="urn:microsoft.com/office/officeart/2005/8/layout/hProcess4"/>
-    <dgm:cxn modelId="{43774E11-6B0B-4CF4-8454-A4572A8ACE34}" type="presOf" srcId="{5DCC2C7F-A64D-4097-9072-ADC8AA8A76DB}" destId="{87DF8362-E840-443E-9575-1C2A5B8085A4}" srcOrd="0" destOrd="0" presId="urn:microsoft.com/office/officeart/2005/8/layout/hProcess4"/>
-    <dgm:cxn modelId="{66213EB8-BEC5-471F-920A-13276BD1D446}" type="presOf" srcId="{34A7DACE-ACF8-4A42-A46A-C45676F5929D}" destId="{8A1DA299-2FA3-40ED-A4F1-3B9246CE2BE4}" srcOrd="1" destOrd="1" presId="urn:microsoft.com/office/officeart/2005/8/layout/hProcess4"/>
-    <dgm:cxn modelId="{9FEC59B1-0A01-4384-A87E-A64FFE79FC32}" type="presOf" srcId="{F0C61C16-8468-4968-8BD3-ECD1606F80D6}" destId="{2E2E3990-CAEC-4A84-BCD7-8B57E874DC4F}" srcOrd="0" destOrd="1" presId="urn:microsoft.com/office/officeart/2005/8/layout/hProcess4"/>
+    <dgm:cxn modelId="{92330775-B75D-4F66-A9EF-2D4B08DE681C}" type="presOf" srcId="{9D02E1D5-4836-4CF5-A24B-40AA10528599}" destId="{648F1E6A-EE4A-4199-AB79-C9444012584E}" srcOrd="0" destOrd="0" presId="urn:microsoft.com/office/officeart/2005/8/layout/hProcess4"/>
+    <dgm:cxn modelId="{4A5FC814-F941-4B03-B6E8-F265B28D4CF1}" type="presOf" srcId="{355189D0-F3AA-494C-9124-085D1CAB2DF9}" destId="{A99F7883-E3C2-4BC7-AFCA-CE08019C5CCA}" srcOrd="0" destOrd="1" presId="urn:microsoft.com/office/officeart/2005/8/layout/hProcess4"/>
+    <dgm:cxn modelId="{BAE5F8B8-F533-4419-822E-5C37EF09B3F3}" srcId="{6230060C-9A0E-47FE-B799-EB02DF155E12}" destId="{2CC656F9-9F13-4CCA-B18F-0D15DEFABBF6}" srcOrd="3" destOrd="0" parTransId="{1A44AB67-42CE-43AF-BDC6-999AD2003A89}" sibTransId="{06FD9BBF-84B5-4D6E-A3B4-C20E01633AFC}"/>
+    <dgm:cxn modelId="{7F0EDCF0-5D53-473E-B1CD-EB4B92B76F51}" srcId="{88F38C57-B4E6-4A25-AE47-88C4AC2472A2}" destId="{465D1448-43E9-45F4-994E-A47B5B0DEB41}" srcOrd="1" destOrd="0" parTransId="{20BD5D53-CE12-4026-B393-ABB2F882C910}" sibTransId="{AFF67384-3B63-4167-99A8-E740E4628840}"/>
+    <dgm:cxn modelId="{413F8566-ABF4-4642-8615-F228B1364D29}" type="presOf" srcId="{465D1448-43E9-45F4-994E-A47B5B0DEB41}" destId="{7DFE157D-E01C-4F63-BBD6-A103D401490B}" srcOrd="1" destOrd="1" presId="urn:microsoft.com/office/officeart/2005/8/layout/hProcess4"/>
+    <dgm:cxn modelId="{F370CCA9-BA21-4EF8-92A3-7A287DF0AEA9}" type="presOf" srcId="{355189D0-F3AA-494C-9124-085D1CAB2DF9}" destId="{75359812-F5DC-45DD-9C57-D6D5B056C654}" srcOrd="1" destOrd="1" presId="urn:microsoft.com/office/officeart/2005/8/layout/hProcess4"/>
+    <dgm:cxn modelId="{66F2A13B-18CB-4EA8-9C30-C9BE9966BCB9}" srcId="{F445BF59-C93E-41AF-BDFF-BA388513E695}" destId="{6A5778B9-4E34-4B1D-BCD4-D9DF5A9E80F7}" srcOrd="0" destOrd="0" parTransId="{C24F9B3F-EF73-4898-9990-DD4C61BC32C0}" sibTransId="{684C1A56-FEF8-4362-98D6-26D469D0304F}"/>
     <dgm:cxn modelId="{266E319D-1433-46A2-8CE6-C8F7CF45D8CC}" type="presOf" srcId="{04C5748F-5C85-49E6-9CD5-0E2BE2A2E714}" destId="{5BCFB396-6583-43F9-B1DC-6547A0B8262A}" srcOrd="0" destOrd="0" presId="urn:microsoft.com/office/officeart/2005/8/layout/hProcess4"/>
     <dgm:cxn modelId="{C1DC3234-0CDD-4DF8-85C2-C75A1AC9F31F}" type="presOf" srcId="{3197B58F-CCA7-4F24-9FC6-51961D55CD66}" destId="{5BCFB396-6583-43F9-B1DC-6547A0B8262A}" srcOrd="0" destOrd="1" presId="urn:microsoft.com/office/officeart/2005/8/layout/hProcess4"/>
-    <dgm:cxn modelId="{0A6C6C5F-C2BC-4273-8887-F7E2813B9E45}" srcId="{2CC656F9-9F13-4CCA-B18F-0D15DEFABBF6}" destId="{A4573339-CF17-4466-B4D1-10AC94AD9DB2}" srcOrd="0" destOrd="0" parTransId="{6F899CED-5652-41D9-9B5D-3D67F92FFA76}" sibTransId="{EB8B2CD2-4BC0-4EA8-A9FD-1C517BD9BE51}"/>
-    <dgm:cxn modelId="{413F8566-ABF4-4642-8615-F228B1364D29}" type="presOf" srcId="{465D1448-43E9-45F4-994E-A47B5B0DEB41}" destId="{7DFE157D-E01C-4F63-BBD6-A103D401490B}" srcOrd="1" destOrd="1" presId="urn:microsoft.com/office/officeart/2005/8/layout/hProcess4"/>
+    <dgm:cxn modelId="{C65DB20D-FD75-4529-B4E6-0284980F669F}" srcId="{88F38C57-B4E6-4A25-AE47-88C4AC2472A2}" destId="{1F3ECA94-EE22-4667-8B5F-7422EF8870A2}" srcOrd="0" destOrd="0" parTransId="{AC7FDEAE-8BC2-4700-AE9E-D6B7AD151B5A}" sibTransId="{99E9F5E2-05D0-4052-BCDB-16D88214DA2A}"/>
+    <dgm:cxn modelId="{460332C4-3764-45E9-AB56-1BB0045C7DD2}" type="presOf" srcId="{1F3ECA94-EE22-4667-8B5F-7422EF8870A2}" destId="{D2ACC1CB-9EA4-42C0-8F50-84C604BA3B16}" srcOrd="0" destOrd="0" presId="urn:microsoft.com/office/officeart/2005/8/layout/hProcess4"/>
+    <dgm:cxn modelId="{3B8048FD-BE88-4A9B-8435-11224DC5557A}" type="presOf" srcId="{82144300-57C6-4B7D-B3D5-F49ED8F4277D}" destId="{D096C6AB-9A6D-43BF-ACAE-637EBCB6E419}" srcOrd="1" destOrd="0" presId="urn:microsoft.com/office/officeart/2005/8/layout/hProcess4"/>
+    <dgm:cxn modelId="{645A9AB7-D6C0-4246-8365-B40D57F6EAAF}" type="presOf" srcId="{DEBFC946-0300-459A-890A-CA0BB7E35702}" destId="{65F3E6B6-C697-44B5-9831-8D5F7C2D3345}" srcOrd="0" destOrd="0" presId="urn:microsoft.com/office/officeart/2005/8/layout/hProcess4"/>
+    <dgm:cxn modelId="{AB8E9A76-2097-40F2-A2C2-DF2BF480D209}" type="presOf" srcId="{06FD9BBF-84B5-4D6E-A3B4-C20E01633AFC}" destId="{C128CD11-251B-4823-A9AD-8FFD2E4C67C1}" srcOrd="0" destOrd="0" presId="urn:microsoft.com/office/officeart/2005/8/layout/hProcess4"/>
+    <dgm:cxn modelId="{1394F99E-27B9-42ED-92FC-4334CD57B76D}" type="presOf" srcId="{C3C0F520-EB80-46C9-83E5-D40F817EB263}" destId="{1331C9D8-FF38-4E3E-A06E-DD9841FED58A}" srcOrd="0" destOrd="0" presId="urn:microsoft.com/office/officeart/2005/8/layout/hProcess4"/>
+    <dgm:cxn modelId="{66213EB8-BEC5-471F-920A-13276BD1D446}" type="presOf" srcId="{34A7DACE-ACF8-4A42-A46A-C45676F5929D}" destId="{8A1DA299-2FA3-40ED-A4F1-3B9246CE2BE4}" srcOrd="1" destOrd="1" presId="urn:microsoft.com/office/officeart/2005/8/layout/hProcess4"/>
+    <dgm:cxn modelId="{35D7CDE5-BCF2-44B6-9662-A6BC415FF197}" srcId="{6230060C-9A0E-47FE-B799-EB02DF155E12}" destId="{192F0E4A-D040-406C-B5C6-8AC747F77218}" srcOrd="5" destOrd="0" parTransId="{6BE57D62-99E8-4B22-BCFC-358D9E321092}" sibTransId="{09B1AABB-8DB6-41A2-9820-FED3C5546BE8}"/>
+    <dgm:cxn modelId="{21A33A2D-E5F0-458E-B1BD-2F5983233BC8}" type="presOf" srcId="{7A60643E-391F-4951-8DD8-C6B328603D75}" destId="{27BA2139-3986-4D9E-BE76-610CB56DCEBF}" srcOrd="1" destOrd="0" presId="urn:microsoft.com/office/officeart/2005/8/layout/hProcess4"/>
+    <dgm:cxn modelId="{4BB3BDF0-E504-4F16-B1F4-33E87A040B76}" srcId="{F445BF59-C93E-41AF-BDFF-BA388513E695}" destId="{0A025CA6-1E5A-4002-8BC8-5BFE7D5ED043}" srcOrd="2" destOrd="0" parTransId="{1F027433-78BB-41FC-ACC0-00836235BF14}" sibTransId="{56BCF0F2-20BB-445F-92C3-C24B61557644}"/>
+    <dgm:cxn modelId="{95C5E307-BB20-434C-A861-4B6625A40272}" srcId="{6230060C-9A0E-47FE-B799-EB02DF155E12}" destId="{C3C0F520-EB80-46C9-83E5-D40F817EB263}" srcOrd="0" destOrd="0" parTransId="{CE3E7A32-DFD3-4C09-ABD2-1FB4256B2315}" sibTransId="{5DCC2C7F-A64D-4097-9072-ADC8AA8A76DB}"/>
+    <dgm:cxn modelId="{8D7B4D45-A537-4385-8809-F302E2777AA3}" type="presOf" srcId="{192F0E4A-D040-406C-B5C6-8AC747F77218}" destId="{9C5FBD1F-36F6-489D-AA4B-C9D6C6C7ABB7}" srcOrd="0" destOrd="0" presId="urn:microsoft.com/office/officeart/2005/8/layout/hProcess4"/>
+    <dgm:cxn modelId="{6F9F2C63-B170-4A2C-9D9A-9021A833E103}" type="presOf" srcId="{A4573339-CF17-4466-B4D1-10AC94AD9DB2}" destId="{8A1DA299-2FA3-40ED-A4F1-3B9246CE2BE4}" srcOrd="1" destOrd="0" presId="urn:microsoft.com/office/officeart/2005/8/layout/hProcess4"/>
+    <dgm:cxn modelId="{A458AE4A-DC4E-432C-86C9-48C05D5A9A98}" type="presOf" srcId="{0A025CA6-1E5A-4002-8BC8-5BFE7D5ED043}" destId="{A99F7883-E3C2-4BC7-AFCA-CE08019C5CCA}" srcOrd="0" destOrd="2" presId="urn:microsoft.com/office/officeart/2005/8/layout/hProcess4"/>
+    <dgm:cxn modelId="{7EE503D6-705A-4DAB-848E-3DA797FA60CB}" type="presOf" srcId="{6A5778B9-4E34-4B1D-BCD4-D9DF5A9E80F7}" destId="{75359812-F5DC-45DD-9C57-D6D5B056C654}" srcOrd="1" destOrd="0" presId="urn:microsoft.com/office/officeart/2005/8/layout/hProcess4"/>
+    <dgm:cxn modelId="{BD2D1C81-954D-4B78-88A0-6EF29AFA9F05}" type="presOf" srcId="{3197B58F-CCA7-4F24-9FC6-51961D55CD66}" destId="{E84F169D-1266-4753-B4B9-C19C7B7AD37B}" srcOrd="1" destOrd="1" presId="urn:microsoft.com/office/officeart/2005/8/layout/hProcess4"/>
+    <dgm:cxn modelId="{76934EDF-A7EB-4481-A33F-D084AD503862}" type="presOf" srcId="{2CC656F9-9F13-4CCA-B18F-0D15DEFABBF6}" destId="{24A97BD1-0D55-4FBF-A308-DABE3170EAD8}" srcOrd="0" destOrd="0" presId="urn:microsoft.com/office/officeart/2005/8/layout/hProcess4"/>
     <dgm:cxn modelId="{8ADD29D7-94FD-4ABF-80B0-118D66037E7C}" srcId="{6230060C-9A0E-47FE-B799-EB02DF155E12}" destId="{F445BF59-C93E-41AF-BDFF-BA388513E695}" srcOrd="4" destOrd="0" parTransId="{720040BB-FF36-4D7E-8D96-699322C1C766}" sibTransId="{9D02E1D5-4836-4CF5-A24B-40AA10528599}"/>
-    <dgm:cxn modelId="{95C5E307-BB20-434C-A861-4B6625A40272}" srcId="{6230060C-9A0E-47FE-B799-EB02DF155E12}" destId="{C3C0F520-EB80-46C9-83E5-D40F817EB263}" srcOrd="0" destOrd="0" parTransId="{CE3E7A32-DFD3-4C09-ABD2-1FB4256B2315}" sibTransId="{5DCC2C7F-A64D-4097-9072-ADC8AA8A76DB}"/>
-    <dgm:cxn modelId="{4A5FC814-F941-4B03-B6E8-F265B28D4CF1}" type="presOf" srcId="{355189D0-F3AA-494C-9124-085D1CAB2DF9}" destId="{A99F7883-E3C2-4BC7-AFCA-CE08019C5CCA}" srcOrd="0" destOrd="1" presId="urn:microsoft.com/office/officeart/2005/8/layout/hProcess4"/>
-    <dgm:cxn modelId="{21A33A2D-E5F0-458E-B1BD-2F5983233BC8}" type="presOf" srcId="{7A60643E-391F-4951-8DD8-C6B328603D75}" destId="{27BA2139-3986-4D9E-BE76-610CB56DCEBF}" srcOrd="1" destOrd="0" presId="urn:microsoft.com/office/officeart/2005/8/layout/hProcess4"/>
-    <dgm:cxn modelId="{CAF97024-245C-466D-AA35-AFDE14D99CBB}" srcId="{192F0E4A-D040-406C-B5C6-8AC747F77218}" destId="{7A60643E-391F-4951-8DD8-C6B328603D75}" srcOrd="0" destOrd="0" parTransId="{2EFEAFD3-16C9-46AC-ACD3-4E6B8C899C04}" sibTransId="{C8F579CB-1092-4501-B1A1-D89761E7090F}"/>
-    <dgm:cxn modelId="{A458AE4A-DC4E-432C-86C9-48C05D5A9A98}" type="presOf" srcId="{0A025CA6-1E5A-4002-8BC8-5BFE7D5ED043}" destId="{A99F7883-E3C2-4BC7-AFCA-CE08019C5CCA}" srcOrd="0" destOrd="2" presId="urn:microsoft.com/office/officeart/2005/8/layout/hProcess4"/>
-    <dgm:cxn modelId="{92330775-B75D-4F66-A9EF-2D4B08DE681C}" type="presOf" srcId="{9D02E1D5-4836-4CF5-A24B-40AA10528599}" destId="{648F1E6A-EE4A-4199-AB79-C9444012584E}" srcOrd="0" destOrd="0" presId="urn:microsoft.com/office/officeart/2005/8/layout/hProcess4"/>
-    <dgm:cxn modelId="{BAE5F8B8-F533-4419-822E-5C37EF09B3F3}" srcId="{6230060C-9A0E-47FE-B799-EB02DF155E12}" destId="{2CC656F9-9F13-4CCA-B18F-0D15DEFABBF6}" srcOrd="3" destOrd="0" parTransId="{1A44AB67-42CE-43AF-BDC6-999AD2003A89}" sibTransId="{06FD9BBF-84B5-4D6E-A3B4-C20E01633AFC}"/>
+    <dgm:cxn modelId="{BED122AB-F6CA-4EB3-BD38-146F35C14D34}" srcId="{6230060C-9A0E-47FE-B799-EB02DF155E12}" destId="{67D55A03-70D2-4B4D-8E30-989CEA416375}" srcOrd="1" destOrd="0" parTransId="{B831D208-8D8C-4135-A25C-8C862B2162CD}" sibTransId="{DEBFC946-0300-459A-890A-CA0BB7E35702}"/>
+    <dgm:cxn modelId="{B672872B-B3F1-4857-869C-EBB59E174965}" srcId="{F445BF59-C93E-41AF-BDFF-BA388513E695}" destId="{38B24B6D-C22A-40A2-9705-72747FD0EC96}" srcOrd="3" destOrd="0" parTransId="{D49B63BB-BEB9-41FC-85DD-3A5DC57591C3}" sibTransId="{CC983B0F-E16E-4E40-A93B-888614BB5A86}"/>
+    <dgm:cxn modelId="{44A9CAE5-A44A-482D-B60B-F082975983C2}" type="presOf" srcId="{88F38C57-B4E6-4A25-AE47-88C4AC2472A2}" destId="{1C8A6DDE-3B95-4A69-9375-F84E0C8BA8A1}" srcOrd="0" destOrd="0" presId="urn:microsoft.com/office/officeart/2005/8/layout/hProcess4"/>
+    <dgm:cxn modelId="{6C7F4A44-434F-4019-9CAF-4CEDFE421A95}" type="presOf" srcId="{6A5778B9-4E34-4B1D-BCD4-D9DF5A9E80F7}" destId="{A99F7883-E3C2-4BC7-AFCA-CE08019C5CCA}" srcOrd="0" destOrd="0" presId="urn:microsoft.com/office/officeart/2005/8/layout/hProcess4"/>
+    <dgm:cxn modelId="{9284DEF5-A1FC-409D-9434-629FBDB459F0}" type="presOf" srcId="{F0C61C16-8468-4968-8BD3-ECD1606F80D6}" destId="{D096C6AB-9A6D-43BF-ACAE-637EBCB6E419}" srcOrd="1" destOrd="1" presId="urn:microsoft.com/office/officeart/2005/8/layout/hProcess4"/>
     <dgm:cxn modelId="{ADF9D6A8-E1D0-45D1-880E-B458978F7C1A}" type="presOf" srcId="{38B24B6D-C22A-40A2-9705-72747FD0EC96}" destId="{A99F7883-E3C2-4BC7-AFCA-CE08019C5CCA}" srcOrd="0" destOrd="3" presId="urn:microsoft.com/office/officeart/2005/8/layout/hProcess4"/>
-    <dgm:cxn modelId="{3B8048FD-BE88-4A9B-8435-11224DC5557A}" type="presOf" srcId="{82144300-57C6-4B7D-B3D5-F49ED8F4277D}" destId="{D096C6AB-9A6D-43BF-ACAE-637EBCB6E419}" srcOrd="1" destOrd="0" presId="urn:microsoft.com/office/officeart/2005/8/layout/hProcess4"/>
-    <dgm:cxn modelId="{66F2A13B-18CB-4EA8-9C30-C9BE9966BCB9}" srcId="{F445BF59-C93E-41AF-BDFF-BA388513E695}" destId="{6A5778B9-4E34-4B1D-BCD4-D9DF5A9E80F7}" srcOrd="0" destOrd="0" parTransId="{C24F9B3F-EF73-4898-9990-DD4C61BC32C0}" sibTransId="{684C1A56-FEF8-4362-98D6-26D469D0304F}"/>
-    <dgm:cxn modelId="{4BB3BDF0-E504-4F16-B1F4-33E87A040B76}" srcId="{F445BF59-C93E-41AF-BDFF-BA388513E695}" destId="{0A025CA6-1E5A-4002-8BC8-5BFE7D5ED043}" srcOrd="2" destOrd="0" parTransId="{1F027433-78BB-41FC-ACC0-00836235BF14}" sibTransId="{56BCF0F2-20BB-445F-92C3-C24B61557644}"/>
-    <dgm:cxn modelId="{B672872B-B3F1-4857-869C-EBB59E174965}" srcId="{F445BF59-C93E-41AF-BDFF-BA388513E695}" destId="{38B24B6D-C22A-40A2-9705-72747FD0EC96}" srcOrd="3" destOrd="0" parTransId="{D49B63BB-BEB9-41FC-85DD-3A5DC57591C3}" sibTransId="{CC983B0F-E16E-4E40-A93B-888614BB5A86}"/>
+    <dgm:cxn modelId="{0D1CD491-883F-47F9-B79A-AE8C06626664}" type="presOf" srcId="{38B24B6D-C22A-40A2-9705-72747FD0EC96}" destId="{75359812-F5DC-45DD-9C57-D6D5B056C654}" srcOrd="1" destOrd="3" presId="urn:microsoft.com/office/officeart/2005/8/layout/hProcess4"/>
     <dgm:cxn modelId="{38B95EB4-9F6E-46D7-A084-4F01EB938CE6}" srcId="{2CC656F9-9F13-4CCA-B18F-0D15DEFABBF6}" destId="{34A7DACE-ACF8-4A42-A46A-C45676F5929D}" srcOrd="1" destOrd="0" parTransId="{E31CDDE8-DF5C-4333-AC93-AB318DD3EA45}" sibTransId="{18EE99D0-4F62-41D1-91DE-09B6CB84CBDC}"/>
+    <dgm:cxn modelId="{F92904C8-1B4C-4D7B-B919-5C8DF8A06D12}" type="presOf" srcId="{F445BF59-C93E-41AF-BDFF-BA388513E695}" destId="{E805EB19-86A7-453C-8EAB-DE08B33403B3}" srcOrd="0" destOrd="0" presId="urn:microsoft.com/office/officeart/2005/8/layout/hProcess4"/>
+    <dgm:cxn modelId="{D165E85F-BE4C-4743-9B11-9FDB0C4270BE}" type="presOf" srcId="{1F3ECA94-EE22-4667-8B5F-7422EF8870A2}" destId="{7DFE157D-E01C-4F63-BBD6-A103D401490B}" srcOrd="1" destOrd="0" presId="urn:microsoft.com/office/officeart/2005/8/layout/hProcess4"/>
+    <dgm:cxn modelId="{E7CDB513-B0DD-44D3-8514-5D2C2984E7CF}" srcId="{67D55A03-70D2-4B4D-8E30-989CEA416375}" destId="{3197B58F-CCA7-4F24-9FC6-51961D55CD66}" srcOrd="1" destOrd="0" parTransId="{28BAAB72-A9F4-43D0-967D-159E90BB7D51}" sibTransId="{6AFC99C5-6A7A-48CA-8C18-BDBE62AEA50B}"/>
     <dgm:cxn modelId="{45A762FC-C9FF-420A-96C9-8713C5A4032A}" type="presOf" srcId="{465D1448-43E9-45F4-994E-A47B5B0DEB41}" destId="{D2ACC1CB-9EA4-42C0-8F50-84C604BA3B16}" srcOrd="0" destOrd="1" presId="urn:microsoft.com/office/officeart/2005/8/layout/hProcess4"/>
-    <dgm:cxn modelId="{1394F99E-27B9-42ED-92FC-4334CD57B76D}" type="presOf" srcId="{C3C0F520-EB80-46C9-83E5-D40F817EB263}" destId="{1331C9D8-FF38-4E3E-A06E-DD9841FED58A}" srcOrd="0" destOrd="0" presId="urn:microsoft.com/office/officeart/2005/8/layout/hProcess4"/>
-    <dgm:cxn modelId="{6C7F4A44-434F-4019-9CAF-4CEDFE421A95}" type="presOf" srcId="{6A5778B9-4E34-4B1D-BCD4-D9DF5A9E80F7}" destId="{A99F7883-E3C2-4BC7-AFCA-CE08019C5CCA}" srcOrd="0" destOrd="0" presId="urn:microsoft.com/office/officeart/2005/8/layout/hProcess4"/>
-    <dgm:cxn modelId="{7F0EDCF0-5D53-473E-B1CD-EB4B92B76F51}" srcId="{88F38C57-B4E6-4A25-AE47-88C4AC2472A2}" destId="{465D1448-43E9-45F4-994E-A47B5B0DEB41}" srcOrd="1" destOrd="0" parTransId="{20BD5D53-CE12-4026-B393-ABB2F882C910}" sibTransId="{AFF67384-3B63-4167-99A8-E740E4628840}"/>
-    <dgm:cxn modelId="{E7CDB513-B0DD-44D3-8514-5D2C2984E7CF}" srcId="{67D55A03-70D2-4B4D-8E30-989CEA416375}" destId="{3197B58F-CCA7-4F24-9FC6-51961D55CD66}" srcOrd="1" destOrd="0" parTransId="{28BAAB72-A9F4-43D0-967D-159E90BB7D51}" sibTransId="{6AFC99C5-6A7A-48CA-8C18-BDBE62AEA50B}"/>
-    <dgm:cxn modelId="{9284DEF5-A1FC-409D-9434-629FBDB459F0}" type="presOf" srcId="{F0C61C16-8468-4968-8BD3-ECD1606F80D6}" destId="{D096C6AB-9A6D-43BF-ACAE-637EBCB6E419}" srcOrd="1" destOrd="1" presId="urn:microsoft.com/office/officeart/2005/8/layout/hProcess4"/>
-    <dgm:cxn modelId="{C15E38DD-018F-4B9E-8CD0-D4D352D434C7}" type="presOf" srcId="{C823A56E-194E-4E21-8909-C025987B6EE8}" destId="{CE4101C5-D163-46B4-B432-2B3878AE4831}" srcOrd="0" destOrd="0" presId="urn:microsoft.com/office/officeart/2005/8/layout/hProcess4"/>
-    <dgm:cxn modelId="{2680D089-3B89-4E26-ADCF-27898C9C2393}" srcId="{C3C0F520-EB80-46C9-83E5-D40F817EB263}" destId="{F0C61C16-8468-4968-8BD3-ECD1606F80D6}" srcOrd="1" destOrd="0" parTransId="{696EF798-CAA3-497A-865D-78A48E7A214C}" sibTransId="{0676BBBF-4F70-4D2F-91D9-76C4B379594F}"/>
-    <dgm:cxn modelId="{7499EC86-D45D-43A5-8B35-1DADDB984EE8}" type="presOf" srcId="{34A7DACE-ACF8-4A42-A46A-C45676F5929D}" destId="{D5B73239-6996-47C4-9D3C-2708C6CA9B3F}" srcOrd="0" destOrd="1" presId="urn:microsoft.com/office/officeart/2005/8/layout/hProcess4"/>
-    <dgm:cxn modelId="{6F9F2C63-B170-4A2C-9D9A-9021A833E103}" type="presOf" srcId="{A4573339-CF17-4466-B4D1-10AC94AD9DB2}" destId="{8A1DA299-2FA3-40ED-A4F1-3B9246CE2BE4}" srcOrd="1" destOrd="0" presId="urn:microsoft.com/office/officeart/2005/8/layout/hProcess4"/>
-    <dgm:cxn modelId="{BD2BCF7F-09A5-418F-828C-0AF4E675B269}" srcId="{C3C0F520-EB80-46C9-83E5-D40F817EB263}" destId="{82144300-57C6-4B7D-B3D5-F49ED8F4277D}" srcOrd="0" destOrd="0" parTransId="{3395AD91-76E3-4163-86DF-8D865F519016}" sibTransId="{659BB97C-608C-49BF-BBCB-196E043E5195}"/>
-    <dgm:cxn modelId="{CC06D817-3EE7-46B3-A7A3-02703A770D59}" srcId="{6230060C-9A0E-47FE-B799-EB02DF155E12}" destId="{88F38C57-B4E6-4A25-AE47-88C4AC2472A2}" srcOrd="2" destOrd="0" parTransId="{E2250E4B-4465-424D-BCFE-429B6131C29D}" sibTransId="{C823A56E-194E-4E21-8909-C025987B6EE8}"/>
-    <dgm:cxn modelId="{76934EDF-A7EB-4481-A33F-D084AD503862}" type="presOf" srcId="{2CC656F9-9F13-4CCA-B18F-0D15DEFABBF6}" destId="{24A97BD1-0D55-4FBF-A308-DABE3170EAD8}" srcOrd="0" destOrd="0" presId="urn:microsoft.com/office/officeart/2005/8/layout/hProcess4"/>
-    <dgm:cxn modelId="{3354D633-140B-429D-9FEE-F7E96078D15E}" type="presOf" srcId="{7A60643E-391F-4951-8DD8-C6B328603D75}" destId="{020CDEE5-5E31-4889-A6B8-B001F754819A}" srcOrd="0" destOrd="0" presId="urn:microsoft.com/office/officeart/2005/8/layout/hProcess4"/>
-    <dgm:cxn modelId="{C1060520-882F-45DF-B7ED-CEA5C1022E77}" type="presOf" srcId="{6230060C-9A0E-47FE-B799-EB02DF155E12}" destId="{EA4B579D-B381-4E78-A17B-65385890D2CB}" srcOrd="0" destOrd="0" presId="urn:microsoft.com/office/officeart/2005/8/layout/hProcess4"/>
-    <dgm:cxn modelId="{BED122AB-F6CA-4EB3-BD38-146F35C14D34}" srcId="{6230060C-9A0E-47FE-B799-EB02DF155E12}" destId="{67D55A03-70D2-4B4D-8E30-989CEA416375}" srcOrd="1" destOrd="0" parTransId="{B831D208-8D8C-4135-A25C-8C862B2162CD}" sibTransId="{DEBFC946-0300-459A-890A-CA0BB7E35702}"/>
-    <dgm:cxn modelId="{E5CB74C5-8B43-4D55-9EFA-09DF21B2E33A}" type="presOf" srcId="{82144300-57C6-4B7D-B3D5-F49ED8F4277D}" destId="{2E2E3990-CAEC-4A84-BCD7-8B57E874DC4F}" srcOrd="0" destOrd="0" presId="urn:microsoft.com/office/officeart/2005/8/layout/hProcess4"/>
-    <dgm:cxn modelId="{C65DB20D-FD75-4529-B4E6-0284980F669F}" srcId="{88F38C57-B4E6-4A25-AE47-88C4AC2472A2}" destId="{1F3ECA94-EE22-4667-8B5F-7422EF8870A2}" srcOrd="0" destOrd="0" parTransId="{AC7FDEAE-8BC2-4700-AE9E-D6B7AD151B5A}" sibTransId="{99E9F5E2-05D0-4052-BCDB-16D88214DA2A}"/>
-    <dgm:cxn modelId="{7C8DFF4F-73C0-416E-8B9F-B1E9A79FAABA}" type="presOf" srcId="{67D55A03-70D2-4B4D-8E30-989CEA416375}" destId="{FD63CC8F-41AB-490E-8382-83DA86C20EAF}" srcOrd="0" destOrd="0" presId="urn:microsoft.com/office/officeart/2005/8/layout/hProcess4"/>
-    <dgm:cxn modelId="{7C072573-5DAA-4042-9431-A89A58A4A2CE}" type="presOf" srcId="{0A025CA6-1E5A-4002-8BC8-5BFE7D5ED043}" destId="{75359812-F5DC-45DD-9C57-D6D5B056C654}" srcOrd="1" destOrd="2" presId="urn:microsoft.com/office/officeart/2005/8/layout/hProcess4"/>
-    <dgm:cxn modelId="{F370CCA9-BA21-4EF8-92A3-7A287DF0AEA9}" type="presOf" srcId="{355189D0-F3AA-494C-9124-085D1CAB2DF9}" destId="{75359812-F5DC-45DD-9C57-D6D5B056C654}" srcOrd="1" destOrd="1" presId="urn:microsoft.com/office/officeart/2005/8/layout/hProcess4"/>
-    <dgm:cxn modelId="{F2193550-285E-4B7E-A555-57552665FB0F}" type="presOf" srcId="{A4573339-CF17-4466-B4D1-10AC94AD9DB2}" destId="{D5B73239-6996-47C4-9D3C-2708C6CA9B3F}" srcOrd="0" destOrd="0" presId="urn:microsoft.com/office/officeart/2005/8/layout/hProcess4"/>
     <dgm:cxn modelId="{8715DE98-BECE-4F5E-86B6-E2FDE8A5462A}" type="presParOf" srcId="{EA4B579D-B381-4E78-A17B-65385890D2CB}" destId="{EFFFD710-16F9-407E-B6AD-E0B6F3927C3E}" srcOrd="0" destOrd="0" presId="urn:microsoft.com/office/officeart/2005/8/layout/hProcess4"/>
     <dgm:cxn modelId="{1C6944A7-7C49-48F3-BC95-EF0890611CD3}" type="presParOf" srcId="{EA4B579D-B381-4E78-A17B-65385890D2CB}" destId="{53058474-D286-4B28-A052-1BCB1577756A}" srcOrd="1" destOrd="0" presId="urn:microsoft.com/office/officeart/2005/8/layout/hProcess4"/>
     <dgm:cxn modelId="{9C983358-75AC-4895-AEEE-F97FB1F3E245}" type="presParOf" srcId="{EA4B579D-B381-4E78-A17B-65385890D2CB}" destId="{B416694D-E9CA-497F-9448-2412AB9B8C6A}" srcOrd="2" destOrd="0" presId="urn:microsoft.com/office/officeart/2005/8/layout/hProcess4"/>
@@ -2058,1348 +2140,6 @@
       <dsp:cNvGrpSpPr/>
     </dsp:nvGrpSpPr>
     <dsp:grpSpPr/>
-    <dsp:sp modelId="{2E2E3990-CAEC-4A84-BCD7-8B57E874DC4F}">
-      <dsp:nvSpPr>
-        <dsp:cNvPr id="0" name=""/>
-        <dsp:cNvSpPr/>
-      </dsp:nvSpPr>
-      <dsp:spPr>
-        <a:xfrm>
-          <a:off x="1138" y="1611397"/>
-          <a:ext cx="1368278" cy="1128543"/>
-        </a:xfrm>
-        <a:prstGeom prst="roundRect">
-          <a:avLst>
-            <a:gd name="adj" fmla="val 10000"/>
-          </a:avLst>
-        </a:prstGeom>
-        <a:solidFill>
-          <a:schemeClr val="lt1">
-            <a:alpha val="90000"/>
-            <a:hueOff val="0"/>
-            <a:satOff val="0"/>
-            <a:lumOff val="0"/>
-            <a:alphaOff val="0"/>
-          </a:schemeClr>
-        </a:solidFill>
-        <a:ln w="12700" cap="flat" cmpd="sng" algn="ctr">
-          <a:solidFill>
-            <a:schemeClr val="accent1">
-              <a:hueOff val="0"/>
-              <a:satOff val="0"/>
-              <a:lumOff val="0"/>
-              <a:alphaOff val="0"/>
-            </a:schemeClr>
-          </a:solidFill>
-          <a:prstDash val="solid"/>
-          <a:miter lim="800000"/>
-        </a:ln>
-        <a:effectLst/>
-      </dsp:spPr>
-      <dsp:style>
-        <a:lnRef idx="2">
-          <a:scrgbClr r="0" g="0" b="0"/>
-        </a:lnRef>
-        <a:fillRef idx="1">
-          <a:scrgbClr r="0" g="0" b="0"/>
-        </a:fillRef>
-        <a:effectRef idx="0">
-          <a:scrgbClr r="0" g="0" b="0"/>
-        </a:effectRef>
-        <a:fontRef idx="minor"/>
-      </dsp:style>
-      <dsp:txBody>
-        <a:bodyPr spcFirstLastPara="0" vert="horz" wrap="square" lIns="22860" tIns="22860" rIns="22860" bIns="22860" numCol="1" spcCol="1270" anchor="t" anchorCtr="0">
-          <a:noAutofit/>
-        </a:bodyPr>
-        <a:lstStyle/>
-        <a:p>
-          <a:pPr marL="114300" lvl="1" indent="-114300" algn="l" defTabSz="533400">
-            <a:lnSpc>
-              <a:spcPct val="90000"/>
-            </a:lnSpc>
-            <a:spcBef>
-              <a:spcPct val="0"/>
-            </a:spcBef>
-            <a:spcAft>
-              <a:spcPct val="15000"/>
-            </a:spcAft>
-            <a:buChar char="••"/>
-          </a:pPr>
-          <a:r>
-            <a:rPr lang="en-US" sz="1200" kern="1200" dirty="0" smtClean="0"/>
-            <a:t>Library</a:t>
-          </a:r>
-          <a:endParaRPr lang="en-US" sz="1200" kern="1200" dirty="0"/>
-        </a:p>
-        <a:p>
-          <a:pPr marL="114300" lvl="1" indent="-114300" algn="l" defTabSz="533400">
-            <a:lnSpc>
-              <a:spcPct val="90000"/>
-            </a:lnSpc>
-            <a:spcBef>
-              <a:spcPct val="0"/>
-            </a:spcBef>
-            <a:spcAft>
-              <a:spcPct val="15000"/>
-            </a:spcAft>
-            <a:buChar char="••"/>
-          </a:pPr>
-          <a:r>
-            <a:rPr lang="en-US" sz="1200" kern="1200" dirty="0" smtClean="0"/>
-            <a:t>Data</a:t>
-          </a:r>
-          <a:endParaRPr lang="en-US" sz="1200" kern="1200" dirty="0"/>
-        </a:p>
-      </dsp:txBody>
-      <dsp:txXfrm>
-        <a:off x="27109" y="1637368"/>
-        <a:ext cx="1316336" cy="834770"/>
-      </dsp:txXfrm>
-    </dsp:sp>
-    <dsp:sp modelId="{87DF8362-E840-443E-9575-1C2A5B8085A4}">
-      <dsp:nvSpPr>
-        <dsp:cNvPr id="0" name=""/>
-        <dsp:cNvSpPr/>
-      </dsp:nvSpPr>
-      <dsp:spPr>
-        <a:xfrm>
-          <a:off x="754454" y="1824080"/>
-          <a:ext cx="1591834" cy="1591834"/>
-        </a:xfrm>
-        <a:prstGeom prst="leftCircularArrow">
-          <a:avLst>
-            <a:gd name="adj1" fmla="val 3671"/>
-            <a:gd name="adj2" fmla="val 457399"/>
-            <a:gd name="adj3" fmla="val 2232910"/>
-            <a:gd name="adj4" fmla="val 9024489"/>
-            <a:gd name="adj5" fmla="val 4283"/>
-          </a:avLst>
-        </a:prstGeom>
-        <a:solidFill>
-          <a:schemeClr val="accent1">
-            <a:tint val="60000"/>
-            <a:hueOff val="0"/>
-            <a:satOff val="0"/>
-            <a:lumOff val="0"/>
-            <a:alphaOff val="0"/>
-          </a:schemeClr>
-        </a:solidFill>
-        <a:ln>
-          <a:noFill/>
-        </a:ln>
-        <a:effectLst/>
-      </dsp:spPr>
-      <dsp:style>
-        <a:lnRef idx="0">
-          <a:scrgbClr r="0" g="0" b="0"/>
-        </a:lnRef>
-        <a:fillRef idx="1">
-          <a:scrgbClr r="0" g="0" b="0"/>
-        </a:fillRef>
-        <a:effectRef idx="0">
-          <a:scrgbClr r="0" g="0" b="0"/>
-        </a:effectRef>
-        <a:fontRef idx="minor">
-          <a:schemeClr val="lt1"/>
-        </a:fontRef>
-      </dsp:style>
-    </dsp:sp>
-    <dsp:sp modelId="{1331C9D8-FF38-4E3E-A06E-DD9841FED58A}">
-      <dsp:nvSpPr>
-        <dsp:cNvPr id="0" name=""/>
-        <dsp:cNvSpPr/>
-      </dsp:nvSpPr>
-      <dsp:spPr>
-        <a:xfrm>
-          <a:off x="305200" y="2498109"/>
-          <a:ext cx="1216247" cy="483661"/>
-        </a:xfrm>
-        <a:prstGeom prst="roundRect">
-          <a:avLst>
-            <a:gd name="adj" fmla="val 10000"/>
-          </a:avLst>
-        </a:prstGeom>
-        <a:solidFill>
-          <a:schemeClr val="accent1">
-            <a:hueOff val="0"/>
-            <a:satOff val="0"/>
-            <a:lumOff val="0"/>
-            <a:alphaOff val="0"/>
-          </a:schemeClr>
-        </a:solidFill>
-        <a:ln w="12700" cap="flat" cmpd="sng" algn="ctr">
-          <a:solidFill>
-            <a:schemeClr val="lt1">
-              <a:hueOff val="0"/>
-              <a:satOff val="0"/>
-              <a:lumOff val="0"/>
-              <a:alphaOff val="0"/>
-            </a:schemeClr>
-          </a:solidFill>
-          <a:prstDash val="solid"/>
-          <a:miter lim="800000"/>
-        </a:ln>
-        <a:effectLst/>
-      </dsp:spPr>
-      <dsp:style>
-        <a:lnRef idx="2">
-          <a:scrgbClr r="0" g="0" b="0"/>
-        </a:lnRef>
-        <a:fillRef idx="1">
-          <a:scrgbClr r="0" g="0" b="0"/>
-        </a:fillRef>
-        <a:effectRef idx="0">
-          <a:scrgbClr r="0" g="0" b="0"/>
-        </a:effectRef>
-        <a:fontRef idx="minor">
-          <a:schemeClr val="lt1"/>
-        </a:fontRef>
-      </dsp:style>
-      <dsp:txBody>
-        <a:bodyPr spcFirstLastPara="0" vert="horz" wrap="square" lIns="22860" tIns="15240" rIns="22860" bIns="15240" numCol="1" spcCol="1270" anchor="ctr" anchorCtr="0">
-          <a:noAutofit/>
-        </a:bodyPr>
-        <a:lstStyle/>
-        <a:p>
-          <a:pPr lvl="0" algn="ctr" defTabSz="533400">
-            <a:lnSpc>
-              <a:spcPct val="90000"/>
-            </a:lnSpc>
-            <a:spcBef>
-              <a:spcPct val="0"/>
-            </a:spcBef>
-            <a:spcAft>
-              <a:spcPct val="35000"/>
-            </a:spcAft>
-          </a:pPr>
-          <a:r>
-            <a:rPr lang="en-US" sz="1200" kern="1200" dirty="0" smtClean="0"/>
-            <a:t>Loading</a:t>
-          </a:r>
-        </a:p>
-        <a:p>
-          <a:pPr lvl="0" algn="ctr" defTabSz="533400">
-            <a:lnSpc>
-              <a:spcPct val="90000"/>
-            </a:lnSpc>
-            <a:spcBef>
-              <a:spcPct val="0"/>
-            </a:spcBef>
-            <a:spcAft>
-              <a:spcPct val="35000"/>
-            </a:spcAft>
-          </a:pPr>
-          <a:endParaRPr lang="en-US" sz="1200" kern="1200" dirty="0"/>
-        </a:p>
-      </dsp:txBody>
-      <dsp:txXfrm>
-        <a:off x="319366" y="2512275"/>
-        <a:ext cx="1187915" cy="455329"/>
-      </dsp:txXfrm>
-    </dsp:sp>
-    <dsp:sp modelId="{5BCFB396-6583-43F9-B1DC-6547A0B8262A}">
-      <dsp:nvSpPr>
-        <dsp:cNvPr id="0" name=""/>
-        <dsp:cNvSpPr/>
-      </dsp:nvSpPr>
-      <dsp:spPr>
-        <a:xfrm>
-          <a:off x="1799741" y="1611397"/>
-          <a:ext cx="1368278" cy="1128543"/>
-        </a:xfrm>
-        <a:prstGeom prst="roundRect">
-          <a:avLst>
-            <a:gd name="adj" fmla="val 10000"/>
-          </a:avLst>
-        </a:prstGeom>
-        <a:solidFill>
-          <a:schemeClr val="lt1">
-            <a:alpha val="90000"/>
-            <a:hueOff val="0"/>
-            <a:satOff val="0"/>
-            <a:lumOff val="0"/>
-            <a:alphaOff val="0"/>
-          </a:schemeClr>
-        </a:solidFill>
-        <a:ln w="12700" cap="flat" cmpd="sng" algn="ctr">
-          <a:solidFill>
-            <a:schemeClr val="accent1">
-              <a:hueOff val="0"/>
-              <a:satOff val="0"/>
-              <a:lumOff val="0"/>
-              <a:alphaOff val="0"/>
-            </a:schemeClr>
-          </a:solidFill>
-          <a:prstDash val="solid"/>
-          <a:miter lim="800000"/>
-        </a:ln>
-        <a:effectLst/>
-      </dsp:spPr>
-      <dsp:style>
-        <a:lnRef idx="2">
-          <a:scrgbClr r="0" g="0" b="0"/>
-        </a:lnRef>
-        <a:fillRef idx="1">
-          <a:scrgbClr r="0" g="0" b="0"/>
-        </a:fillRef>
-        <a:effectRef idx="0">
-          <a:scrgbClr r="0" g="0" b="0"/>
-        </a:effectRef>
-        <a:fontRef idx="minor"/>
-      </dsp:style>
-      <dsp:txBody>
-        <a:bodyPr spcFirstLastPara="0" vert="horz" wrap="square" lIns="22860" tIns="22860" rIns="22860" bIns="22860" numCol="1" spcCol="1270" anchor="t" anchorCtr="0">
-          <a:noAutofit/>
-        </a:bodyPr>
-        <a:lstStyle/>
-        <a:p>
-          <a:pPr marL="114300" lvl="1" indent="-114300" algn="l" defTabSz="533400">
-            <a:lnSpc>
-              <a:spcPct val="90000"/>
-            </a:lnSpc>
-            <a:spcBef>
-              <a:spcPct val="0"/>
-            </a:spcBef>
-            <a:spcAft>
-              <a:spcPct val="15000"/>
-            </a:spcAft>
-            <a:buChar char="••"/>
-          </a:pPr>
-          <a:r>
-            <a:rPr lang="en-US" sz="1200" kern="1200" dirty="0" smtClean="0"/>
-            <a:t>Outlier Detection</a:t>
-          </a:r>
-          <a:endParaRPr lang="en-US" sz="1200" kern="1200" dirty="0"/>
-        </a:p>
-        <a:p>
-          <a:pPr marL="114300" lvl="1" indent="-114300" algn="l" defTabSz="533400">
-            <a:lnSpc>
-              <a:spcPct val="90000"/>
-            </a:lnSpc>
-            <a:spcBef>
-              <a:spcPct val="0"/>
-            </a:spcBef>
-            <a:spcAft>
-              <a:spcPct val="15000"/>
-            </a:spcAft>
-            <a:buChar char="••"/>
-          </a:pPr>
-          <a:r>
-            <a:rPr lang="en-US" sz="1200" kern="1200" dirty="0" smtClean="0"/>
-            <a:t>Transformations</a:t>
-          </a:r>
-          <a:endParaRPr lang="en-US" sz="1200" kern="1200" dirty="0"/>
-        </a:p>
-      </dsp:txBody>
-      <dsp:txXfrm>
-        <a:off x="1825712" y="1879199"/>
-        <a:ext cx="1316336" cy="834770"/>
-      </dsp:txXfrm>
-    </dsp:sp>
-    <dsp:sp modelId="{65F3E6B6-C697-44B5-9831-8D5F7C2D3345}">
-      <dsp:nvSpPr>
-        <dsp:cNvPr id="0" name=""/>
-        <dsp:cNvSpPr/>
-      </dsp:nvSpPr>
-      <dsp:spPr>
-        <a:xfrm>
-          <a:off x="2541655" y="891174"/>
-          <a:ext cx="1766669" cy="1766669"/>
-        </a:xfrm>
-        <a:prstGeom prst="circularArrow">
-          <a:avLst>
-            <a:gd name="adj1" fmla="val 3308"/>
-            <a:gd name="adj2" fmla="val 408578"/>
-            <a:gd name="adj3" fmla="val 19415911"/>
-            <a:gd name="adj4" fmla="val 12575511"/>
-            <a:gd name="adj5" fmla="val 3859"/>
-          </a:avLst>
-        </a:prstGeom>
-        <a:solidFill>
-          <a:schemeClr val="accent1">
-            <a:tint val="60000"/>
-            <a:hueOff val="0"/>
-            <a:satOff val="0"/>
-            <a:lumOff val="0"/>
-            <a:alphaOff val="0"/>
-          </a:schemeClr>
-        </a:solidFill>
-        <a:ln>
-          <a:noFill/>
-        </a:ln>
-        <a:effectLst/>
-      </dsp:spPr>
-      <dsp:style>
-        <a:lnRef idx="0">
-          <a:scrgbClr r="0" g="0" b="0"/>
-        </a:lnRef>
-        <a:fillRef idx="1">
-          <a:scrgbClr r="0" g="0" b="0"/>
-        </a:fillRef>
-        <a:effectRef idx="0">
-          <a:scrgbClr r="0" g="0" b="0"/>
-        </a:effectRef>
-        <a:fontRef idx="minor">
-          <a:schemeClr val="lt1"/>
-        </a:fontRef>
-      </dsp:style>
-    </dsp:sp>
-    <dsp:sp modelId="{FD63CC8F-41AB-490E-8382-83DA86C20EAF}">
-      <dsp:nvSpPr>
-        <dsp:cNvPr id="0" name=""/>
-        <dsp:cNvSpPr/>
-      </dsp:nvSpPr>
-      <dsp:spPr>
-        <a:xfrm>
-          <a:off x="2103803" y="1369566"/>
-          <a:ext cx="1216247" cy="483661"/>
-        </a:xfrm>
-        <a:prstGeom prst="roundRect">
-          <a:avLst>
-            <a:gd name="adj" fmla="val 10000"/>
-          </a:avLst>
-        </a:prstGeom>
-        <a:solidFill>
-          <a:schemeClr val="accent1">
-            <a:hueOff val="0"/>
-            <a:satOff val="0"/>
-            <a:lumOff val="0"/>
-            <a:alphaOff val="0"/>
-          </a:schemeClr>
-        </a:solidFill>
-        <a:ln w="12700" cap="flat" cmpd="sng" algn="ctr">
-          <a:solidFill>
-            <a:schemeClr val="lt1">
-              <a:hueOff val="0"/>
-              <a:satOff val="0"/>
-              <a:lumOff val="0"/>
-              <a:alphaOff val="0"/>
-            </a:schemeClr>
-          </a:solidFill>
-          <a:prstDash val="solid"/>
-          <a:miter lim="800000"/>
-        </a:ln>
-        <a:effectLst/>
-      </dsp:spPr>
-      <dsp:style>
-        <a:lnRef idx="2">
-          <a:scrgbClr r="0" g="0" b="0"/>
-        </a:lnRef>
-        <a:fillRef idx="1">
-          <a:scrgbClr r="0" g="0" b="0"/>
-        </a:fillRef>
-        <a:effectRef idx="0">
-          <a:scrgbClr r="0" g="0" b="0"/>
-        </a:effectRef>
-        <a:fontRef idx="minor">
-          <a:schemeClr val="lt1"/>
-        </a:fontRef>
-      </dsp:style>
-      <dsp:txBody>
-        <a:bodyPr spcFirstLastPara="0" vert="horz" wrap="square" lIns="22860" tIns="15240" rIns="22860" bIns="15240" numCol="1" spcCol="1270" anchor="ctr" anchorCtr="0">
-          <a:noAutofit/>
-        </a:bodyPr>
-        <a:lstStyle/>
-        <a:p>
-          <a:pPr lvl="0" algn="ctr" defTabSz="533400">
-            <a:lnSpc>
-              <a:spcPct val="90000"/>
-            </a:lnSpc>
-            <a:spcBef>
-              <a:spcPct val="0"/>
-            </a:spcBef>
-            <a:spcAft>
-              <a:spcPct val="35000"/>
-            </a:spcAft>
-          </a:pPr>
-          <a:r>
-            <a:rPr lang="en-US" sz="1200" kern="1200" dirty="0" smtClean="0"/>
-            <a:t>Preprocessing</a:t>
-          </a:r>
-          <a:endParaRPr lang="en-US" sz="1200" kern="1200" dirty="0"/>
-        </a:p>
-      </dsp:txBody>
-      <dsp:txXfrm>
-        <a:off x="2117969" y="1383732"/>
-        <a:ext cx="1187915" cy="455329"/>
-      </dsp:txXfrm>
-    </dsp:sp>
-    <dsp:sp modelId="{D2ACC1CB-9EA4-42C0-8F50-84C604BA3B16}">
-      <dsp:nvSpPr>
-        <dsp:cNvPr id="0" name=""/>
-        <dsp:cNvSpPr/>
-      </dsp:nvSpPr>
-      <dsp:spPr>
-        <a:xfrm>
-          <a:off x="3598344" y="1611397"/>
-          <a:ext cx="1368278" cy="1128543"/>
-        </a:xfrm>
-        <a:prstGeom prst="roundRect">
-          <a:avLst>
-            <a:gd name="adj" fmla="val 10000"/>
-          </a:avLst>
-        </a:prstGeom>
-        <a:solidFill>
-          <a:schemeClr val="lt1">
-            <a:alpha val="90000"/>
-            <a:hueOff val="0"/>
-            <a:satOff val="0"/>
-            <a:lumOff val="0"/>
-            <a:alphaOff val="0"/>
-          </a:schemeClr>
-        </a:solidFill>
-        <a:ln w="12700" cap="flat" cmpd="sng" algn="ctr">
-          <a:solidFill>
-            <a:schemeClr val="accent1">
-              <a:hueOff val="0"/>
-              <a:satOff val="0"/>
-              <a:lumOff val="0"/>
-              <a:alphaOff val="0"/>
-            </a:schemeClr>
-          </a:solidFill>
-          <a:prstDash val="solid"/>
-          <a:miter lim="800000"/>
-        </a:ln>
-        <a:effectLst/>
-      </dsp:spPr>
-      <dsp:style>
-        <a:lnRef idx="2">
-          <a:scrgbClr r="0" g="0" b="0"/>
-        </a:lnRef>
-        <a:fillRef idx="1">
-          <a:scrgbClr r="0" g="0" b="0"/>
-        </a:fillRef>
-        <a:effectRef idx="0">
-          <a:scrgbClr r="0" g="0" b="0"/>
-        </a:effectRef>
-        <a:fontRef idx="minor"/>
-      </dsp:style>
-      <dsp:txBody>
-        <a:bodyPr spcFirstLastPara="0" vert="horz" wrap="square" lIns="22860" tIns="22860" rIns="22860" bIns="22860" numCol="1" spcCol="1270" anchor="t" anchorCtr="0">
-          <a:noAutofit/>
-        </a:bodyPr>
-        <a:lstStyle/>
-        <a:p>
-          <a:pPr marL="114300" lvl="1" indent="-114300" algn="l" defTabSz="533400">
-            <a:lnSpc>
-              <a:spcPct val="90000"/>
-            </a:lnSpc>
-            <a:spcBef>
-              <a:spcPct val="0"/>
-            </a:spcBef>
-            <a:spcAft>
-              <a:spcPct val="15000"/>
-            </a:spcAft>
-            <a:buChar char="••"/>
-          </a:pPr>
-          <a:r>
-            <a:rPr lang="en-US" sz="1200" kern="1200" dirty="0" smtClean="0"/>
-            <a:t>Histogram</a:t>
-          </a:r>
-          <a:endParaRPr lang="en-US" sz="1200" kern="1200" dirty="0"/>
-        </a:p>
-        <a:p>
-          <a:pPr marL="114300" lvl="1" indent="-114300" algn="l" defTabSz="533400">
-            <a:lnSpc>
-              <a:spcPct val="90000"/>
-            </a:lnSpc>
-            <a:spcBef>
-              <a:spcPct val="0"/>
-            </a:spcBef>
-            <a:spcAft>
-              <a:spcPct val="15000"/>
-            </a:spcAft>
-            <a:buChar char="••"/>
-          </a:pPr>
-          <a:r>
-            <a:rPr lang="en-US" sz="1200" kern="1200" dirty="0" smtClean="0"/>
-            <a:t>Correlation Matrix</a:t>
-          </a:r>
-          <a:endParaRPr lang="en-US" sz="1200" kern="1200" dirty="0"/>
-        </a:p>
-      </dsp:txBody>
-      <dsp:txXfrm>
-        <a:off x="3624315" y="1637368"/>
-        <a:ext cx="1316336" cy="834770"/>
-      </dsp:txXfrm>
-    </dsp:sp>
-    <dsp:sp modelId="{CE4101C5-D163-46B4-B432-2B3878AE4831}">
-      <dsp:nvSpPr>
-        <dsp:cNvPr id="0" name=""/>
-        <dsp:cNvSpPr/>
-      </dsp:nvSpPr>
-      <dsp:spPr>
-        <a:xfrm>
-          <a:off x="4351660" y="1824080"/>
-          <a:ext cx="1591834" cy="1591834"/>
-        </a:xfrm>
-        <a:prstGeom prst="leftCircularArrow">
-          <a:avLst>
-            <a:gd name="adj1" fmla="val 3671"/>
-            <a:gd name="adj2" fmla="val 457399"/>
-            <a:gd name="adj3" fmla="val 2232910"/>
-            <a:gd name="adj4" fmla="val 9024489"/>
-            <a:gd name="adj5" fmla="val 4283"/>
-          </a:avLst>
-        </a:prstGeom>
-        <a:solidFill>
-          <a:schemeClr val="accent1">
-            <a:tint val="60000"/>
-            <a:hueOff val="0"/>
-            <a:satOff val="0"/>
-            <a:lumOff val="0"/>
-            <a:alphaOff val="0"/>
-          </a:schemeClr>
-        </a:solidFill>
-        <a:ln>
-          <a:noFill/>
-        </a:ln>
-        <a:effectLst/>
-      </dsp:spPr>
-      <dsp:style>
-        <a:lnRef idx="0">
-          <a:scrgbClr r="0" g="0" b="0"/>
-        </a:lnRef>
-        <a:fillRef idx="1">
-          <a:scrgbClr r="0" g="0" b="0"/>
-        </a:fillRef>
-        <a:effectRef idx="0">
-          <a:scrgbClr r="0" g="0" b="0"/>
-        </a:effectRef>
-        <a:fontRef idx="minor">
-          <a:schemeClr val="lt1"/>
-        </a:fontRef>
-      </dsp:style>
-    </dsp:sp>
-    <dsp:sp modelId="{1C8A6DDE-3B95-4A69-9375-F84E0C8BA8A1}">
-      <dsp:nvSpPr>
-        <dsp:cNvPr id="0" name=""/>
-        <dsp:cNvSpPr/>
-      </dsp:nvSpPr>
-      <dsp:spPr>
-        <a:xfrm>
-          <a:off x="3902405" y="2498109"/>
-          <a:ext cx="1216247" cy="483661"/>
-        </a:xfrm>
-        <a:prstGeom prst="roundRect">
-          <a:avLst>
-            <a:gd name="adj" fmla="val 10000"/>
-          </a:avLst>
-        </a:prstGeom>
-        <a:solidFill>
-          <a:schemeClr val="accent1">
-            <a:hueOff val="0"/>
-            <a:satOff val="0"/>
-            <a:lumOff val="0"/>
-            <a:alphaOff val="0"/>
-          </a:schemeClr>
-        </a:solidFill>
-        <a:ln w="12700" cap="flat" cmpd="sng" algn="ctr">
-          <a:solidFill>
-            <a:schemeClr val="lt1">
-              <a:hueOff val="0"/>
-              <a:satOff val="0"/>
-              <a:lumOff val="0"/>
-              <a:alphaOff val="0"/>
-            </a:schemeClr>
-          </a:solidFill>
-          <a:prstDash val="solid"/>
-          <a:miter lim="800000"/>
-        </a:ln>
-        <a:effectLst/>
-      </dsp:spPr>
-      <dsp:style>
-        <a:lnRef idx="2">
-          <a:scrgbClr r="0" g="0" b="0"/>
-        </a:lnRef>
-        <a:fillRef idx="1">
-          <a:scrgbClr r="0" g="0" b="0"/>
-        </a:fillRef>
-        <a:effectRef idx="0">
-          <a:scrgbClr r="0" g="0" b="0"/>
-        </a:effectRef>
-        <a:fontRef idx="minor">
-          <a:schemeClr val="lt1"/>
-        </a:fontRef>
-      </dsp:style>
-      <dsp:txBody>
-        <a:bodyPr spcFirstLastPara="0" vert="horz" wrap="square" lIns="22860" tIns="15240" rIns="22860" bIns="15240" numCol="1" spcCol="1270" anchor="ctr" anchorCtr="0">
-          <a:noAutofit/>
-        </a:bodyPr>
-        <a:lstStyle/>
-        <a:p>
-          <a:pPr lvl="0" algn="ctr" defTabSz="533400">
-            <a:lnSpc>
-              <a:spcPct val="90000"/>
-            </a:lnSpc>
-            <a:spcBef>
-              <a:spcPct val="0"/>
-            </a:spcBef>
-            <a:spcAft>
-              <a:spcPct val="35000"/>
-            </a:spcAft>
-          </a:pPr>
-          <a:r>
-            <a:rPr lang="en-US" sz="1200" kern="1200" dirty="0" smtClean="0"/>
-            <a:t>EDA</a:t>
-          </a:r>
-          <a:endParaRPr lang="en-US" sz="1200" kern="1200" dirty="0"/>
-        </a:p>
-      </dsp:txBody>
-      <dsp:txXfrm>
-        <a:off x="3916571" y="2512275"/>
-        <a:ext cx="1187915" cy="455329"/>
-      </dsp:txXfrm>
-    </dsp:sp>
-    <dsp:sp modelId="{D5B73239-6996-47C4-9D3C-2708C6CA9B3F}">
-      <dsp:nvSpPr>
-        <dsp:cNvPr id="0" name=""/>
-        <dsp:cNvSpPr/>
-      </dsp:nvSpPr>
-      <dsp:spPr>
-        <a:xfrm>
-          <a:off x="5396946" y="1611397"/>
-          <a:ext cx="1368278" cy="1128543"/>
-        </a:xfrm>
-        <a:prstGeom prst="roundRect">
-          <a:avLst>
-            <a:gd name="adj" fmla="val 10000"/>
-          </a:avLst>
-        </a:prstGeom>
-        <a:solidFill>
-          <a:schemeClr val="lt1">
-            <a:alpha val="90000"/>
-            <a:hueOff val="0"/>
-            <a:satOff val="0"/>
-            <a:lumOff val="0"/>
-            <a:alphaOff val="0"/>
-          </a:schemeClr>
-        </a:solidFill>
-        <a:ln w="12700" cap="flat" cmpd="sng" algn="ctr">
-          <a:solidFill>
-            <a:schemeClr val="accent1">
-              <a:hueOff val="0"/>
-              <a:satOff val="0"/>
-              <a:lumOff val="0"/>
-              <a:alphaOff val="0"/>
-            </a:schemeClr>
-          </a:solidFill>
-          <a:prstDash val="solid"/>
-          <a:miter lim="800000"/>
-        </a:ln>
-        <a:effectLst/>
-      </dsp:spPr>
-      <dsp:style>
-        <a:lnRef idx="2">
-          <a:scrgbClr r="0" g="0" b="0"/>
-        </a:lnRef>
-        <a:fillRef idx="1">
-          <a:scrgbClr r="0" g="0" b="0"/>
-        </a:fillRef>
-        <a:effectRef idx="0">
-          <a:scrgbClr r="0" g="0" b="0"/>
-        </a:effectRef>
-        <a:fontRef idx="minor"/>
-      </dsp:style>
-      <dsp:txBody>
-        <a:bodyPr spcFirstLastPara="0" vert="horz" wrap="square" lIns="22860" tIns="22860" rIns="22860" bIns="22860" numCol="1" spcCol="1270" anchor="t" anchorCtr="0">
-          <a:noAutofit/>
-        </a:bodyPr>
-        <a:lstStyle/>
-        <a:p>
-          <a:pPr marL="114300" lvl="1" indent="-114300" algn="l" defTabSz="533400">
-            <a:lnSpc>
-              <a:spcPct val="90000"/>
-            </a:lnSpc>
-            <a:spcBef>
-              <a:spcPct val="0"/>
-            </a:spcBef>
-            <a:spcAft>
-              <a:spcPct val="15000"/>
-            </a:spcAft>
-            <a:buChar char="••"/>
-          </a:pPr>
-          <a:endParaRPr lang="en-US" sz="1200" kern="1200"/>
-        </a:p>
-        <a:p>
-          <a:pPr marL="114300" lvl="1" indent="-114300" algn="l" defTabSz="533400">
-            <a:lnSpc>
-              <a:spcPct val="90000"/>
-            </a:lnSpc>
-            <a:spcBef>
-              <a:spcPct val="0"/>
-            </a:spcBef>
-            <a:spcAft>
-              <a:spcPct val="15000"/>
-            </a:spcAft>
-            <a:buChar char="••"/>
-          </a:pPr>
-          <a:r>
-            <a:rPr lang="en-US" sz="1200" kern="1200" dirty="0" smtClean="0"/>
-            <a:t>ML Model</a:t>
-          </a:r>
-          <a:endParaRPr lang="en-US" sz="1200" kern="1200" dirty="0"/>
-        </a:p>
-      </dsp:txBody>
-      <dsp:txXfrm>
-        <a:off x="5422917" y="1879199"/>
-        <a:ext cx="1316336" cy="834770"/>
-      </dsp:txXfrm>
-    </dsp:sp>
-    <dsp:sp modelId="{C128CD11-251B-4823-A9AD-8FFD2E4C67C1}">
-      <dsp:nvSpPr>
-        <dsp:cNvPr id="0" name=""/>
-        <dsp:cNvSpPr/>
-      </dsp:nvSpPr>
-      <dsp:spPr>
-        <a:xfrm>
-          <a:off x="6138860" y="891174"/>
-          <a:ext cx="1766669" cy="1766669"/>
-        </a:xfrm>
-        <a:prstGeom prst="circularArrow">
-          <a:avLst>
-            <a:gd name="adj1" fmla="val 3308"/>
-            <a:gd name="adj2" fmla="val 408578"/>
-            <a:gd name="adj3" fmla="val 19415911"/>
-            <a:gd name="adj4" fmla="val 12575511"/>
-            <a:gd name="adj5" fmla="val 3859"/>
-          </a:avLst>
-        </a:prstGeom>
-        <a:solidFill>
-          <a:schemeClr val="accent1">
-            <a:tint val="60000"/>
-            <a:hueOff val="0"/>
-            <a:satOff val="0"/>
-            <a:lumOff val="0"/>
-            <a:alphaOff val="0"/>
-          </a:schemeClr>
-        </a:solidFill>
-        <a:ln>
-          <a:noFill/>
-        </a:ln>
-        <a:effectLst/>
-      </dsp:spPr>
-      <dsp:style>
-        <a:lnRef idx="0">
-          <a:scrgbClr r="0" g="0" b="0"/>
-        </a:lnRef>
-        <a:fillRef idx="1">
-          <a:scrgbClr r="0" g="0" b="0"/>
-        </a:fillRef>
-        <a:effectRef idx="0">
-          <a:scrgbClr r="0" g="0" b="0"/>
-        </a:effectRef>
-        <a:fontRef idx="minor">
-          <a:schemeClr val="lt1"/>
-        </a:fontRef>
-      </dsp:style>
-    </dsp:sp>
-    <dsp:sp modelId="{24A97BD1-0D55-4FBF-A308-DABE3170EAD8}">
-      <dsp:nvSpPr>
-        <dsp:cNvPr id="0" name=""/>
-        <dsp:cNvSpPr/>
-      </dsp:nvSpPr>
-      <dsp:spPr>
-        <a:xfrm>
-          <a:off x="5701008" y="1369566"/>
-          <a:ext cx="1216247" cy="483661"/>
-        </a:xfrm>
-        <a:prstGeom prst="roundRect">
-          <a:avLst>
-            <a:gd name="adj" fmla="val 10000"/>
-          </a:avLst>
-        </a:prstGeom>
-        <a:solidFill>
-          <a:schemeClr val="accent1">
-            <a:hueOff val="0"/>
-            <a:satOff val="0"/>
-            <a:lumOff val="0"/>
-            <a:alphaOff val="0"/>
-          </a:schemeClr>
-        </a:solidFill>
-        <a:ln w="12700" cap="flat" cmpd="sng" algn="ctr">
-          <a:solidFill>
-            <a:schemeClr val="lt1">
-              <a:hueOff val="0"/>
-              <a:satOff val="0"/>
-              <a:lumOff val="0"/>
-              <a:alphaOff val="0"/>
-            </a:schemeClr>
-          </a:solidFill>
-          <a:prstDash val="solid"/>
-          <a:miter lim="800000"/>
-        </a:ln>
-        <a:effectLst/>
-      </dsp:spPr>
-      <dsp:style>
-        <a:lnRef idx="2">
-          <a:scrgbClr r="0" g="0" b="0"/>
-        </a:lnRef>
-        <a:fillRef idx="1">
-          <a:scrgbClr r="0" g="0" b="0"/>
-        </a:fillRef>
-        <a:effectRef idx="0">
-          <a:scrgbClr r="0" g="0" b="0"/>
-        </a:effectRef>
-        <a:fontRef idx="minor">
-          <a:schemeClr val="lt1"/>
-        </a:fontRef>
-      </dsp:style>
-      <dsp:txBody>
-        <a:bodyPr spcFirstLastPara="0" vert="horz" wrap="square" lIns="22860" tIns="15240" rIns="22860" bIns="15240" numCol="1" spcCol="1270" anchor="ctr" anchorCtr="0">
-          <a:noAutofit/>
-        </a:bodyPr>
-        <a:lstStyle/>
-        <a:p>
-          <a:pPr lvl="0" algn="ctr" defTabSz="533400">
-            <a:lnSpc>
-              <a:spcPct val="90000"/>
-            </a:lnSpc>
-            <a:spcBef>
-              <a:spcPct val="0"/>
-            </a:spcBef>
-            <a:spcAft>
-              <a:spcPct val="35000"/>
-            </a:spcAft>
-          </a:pPr>
-          <a:r>
-            <a:rPr lang="en-US" sz="1200" kern="1200" dirty="0" smtClean="0"/>
-            <a:t>Modelling</a:t>
-          </a:r>
-          <a:endParaRPr lang="en-US" sz="1200" kern="1200" dirty="0"/>
-        </a:p>
-      </dsp:txBody>
-      <dsp:txXfrm>
-        <a:off x="5715174" y="1383732"/>
-        <a:ext cx="1187915" cy="455329"/>
-      </dsp:txXfrm>
-    </dsp:sp>
-    <dsp:sp modelId="{A99F7883-E3C2-4BC7-AFCA-CE08019C5CCA}">
-      <dsp:nvSpPr>
-        <dsp:cNvPr id="0" name=""/>
-        <dsp:cNvSpPr/>
-      </dsp:nvSpPr>
-      <dsp:spPr>
-        <a:xfrm>
-          <a:off x="7195549" y="1611397"/>
-          <a:ext cx="1368278" cy="1128543"/>
-        </a:xfrm>
-        <a:prstGeom prst="roundRect">
-          <a:avLst>
-            <a:gd name="adj" fmla="val 10000"/>
-          </a:avLst>
-        </a:prstGeom>
-        <a:solidFill>
-          <a:schemeClr val="lt1">
-            <a:alpha val="90000"/>
-            <a:hueOff val="0"/>
-            <a:satOff val="0"/>
-            <a:lumOff val="0"/>
-            <a:alphaOff val="0"/>
-          </a:schemeClr>
-        </a:solidFill>
-        <a:ln w="12700" cap="flat" cmpd="sng" algn="ctr">
-          <a:solidFill>
-            <a:schemeClr val="accent1">
-              <a:hueOff val="0"/>
-              <a:satOff val="0"/>
-              <a:lumOff val="0"/>
-              <a:alphaOff val="0"/>
-            </a:schemeClr>
-          </a:solidFill>
-          <a:prstDash val="solid"/>
-          <a:miter lim="800000"/>
-        </a:ln>
-        <a:effectLst/>
-      </dsp:spPr>
-      <dsp:style>
-        <a:lnRef idx="2">
-          <a:scrgbClr r="0" g="0" b="0"/>
-        </a:lnRef>
-        <a:fillRef idx="1">
-          <a:scrgbClr r="0" g="0" b="0"/>
-        </a:fillRef>
-        <a:effectRef idx="0">
-          <a:scrgbClr r="0" g="0" b="0"/>
-        </a:effectRef>
-        <a:fontRef idx="minor"/>
-      </dsp:style>
-      <dsp:txBody>
-        <a:bodyPr spcFirstLastPara="0" vert="horz" wrap="square" lIns="22860" tIns="22860" rIns="22860" bIns="22860" numCol="1" spcCol="1270" anchor="t" anchorCtr="0">
-          <a:noAutofit/>
-        </a:bodyPr>
-        <a:lstStyle/>
-        <a:p>
-          <a:pPr marL="114300" lvl="1" indent="-114300" algn="l" defTabSz="533400">
-            <a:lnSpc>
-              <a:spcPct val="90000"/>
-            </a:lnSpc>
-            <a:spcBef>
-              <a:spcPct val="0"/>
-            </a:spcBef>
-            <a:spcAft>
-              <a:spcPct val="15000"/>
-            </a:spcAft>
-            <a:buChar char="••"/>
-          </a:pPr>
-          <a:r>
-            <a:rPr lang="en-US" sz="1200" kern="1200" dirty="0" smtClean="0"/>
-            <a:t>F1</a:t>
-          </a:r>
-          <a:endParaRPr lang="en-US" sz="1200" kern="1200" dirty="0"/>
-        </a:p>
-        <a:p>
-          <a:pPr marL="114300" lvl="1" indent="-114300" algn="l" defTabSz="533400">
-            <a:lnSpc>
-              <a:spcPct val="90000"/>
-            </a:lnSpc>
-            <a:spcBef>
-              <a:spcPct val="0"/>
-            </a:spcBef>
-            <a:spcAft>
-              <a:spcPct val="15000"/>
-            </a:spcAft>
-            <a:buChar char="••"/>
-          </a:pPr>
-          <a:r>
-            <a:rPr lang="en-US" sz="1200" kern="1200" dirty="0" smtClean="0"/>
-            <a:t>Precision</a:t>
-          </a:r>
-          <a:endParaRPr lang="en-US" sz="1200" kern="1200" dirty="0"/>
-        </a:p>
-        <a:p>
-          <a:pPr marL="114300" lvl="1" indent="-114300" algn="l" defTabSz="533400">
-            <a:lnSpc>
-              <a:spcPct val="90000"/>
-            </a:lnSpc>
-            <a:spcBef>
-              <a:spcPct val="0"/>
-            </a:spcBef>
-            <a:spcAft>
-              <a:spcPct val="15000"/>
-            </a:spcAft>
-            <a:buChar char="••"/>
-          </a:pPr>
-          <a:r>
-            <a:rPr lang="en-US" sz="1200" kern="1200" dirty="0" smtClean="0"/>
-            <a:t>Recall</a:t>
-          </a:r>
-          <a:endParaRPr lang="en-US" sz="1200" kern="1200" dirty="0"/>
-        </a:p>
-        <a:p>
-          <a:pPr marL="114300" lvl="1" indent="-114300" algn="l" defTabSz="533400">
-            <a:lnSpc>
-              <a:spcPct val="90000"/>
-            </a:lnSpc>
-            <a:spcBef>
-              <a:spcPct val="0"/>
-            </a:spcBef>
-            <a:spcAft>
-              <a:spcPct val="15000"/>
-            </a:spcAft>
-            <a:buChar char="••"/>
-          </a:pPr>
-          <a:r>
-            <a:rPr lang="en-US" sz="1200" kern="1200" dirty="0" smtClean="0"/>
-            <a:t>Support</a:t>
-          </a:r>
-          <a:endParaRPr lang="en-US" sz="1200" kern="1200" dirty="0"/>
-        </a:p>
-      </dsp:txBody>
-      <dsp:txXfrm>
-        <a:off x="7221520" y="1637368"/>
-        <a:ext cx="1316336" cy="834770"/>
-      </dsp:txXfrm>
-    </dsp:sp>
-    <dsp:sp modelId="{648F1E6A-EE4A-4199-AB79-C9444012584E}">
-      <dsp:nvSpPr>
-        <dsp:cNvPr id="0" name=""/>
-        <dsp:cNvSpPr/>
-      </dsp:nvSpPr>
-      <dsp:spPr>
-        <a:xfrm>
-          <a:off x="7948866" y="1824080"/>
-          <a:ext cx="1591834" cy="1591834"/>
-        </a:xfrm>
-        <a:prstGeom prst="leftCircularArrow">
-          <a:avLst>
-            <a:gd name="adj1" fmla="val 3671"/>
-            <a:gd name="adj2" fmla="val 457399"/>
-            <a:gd name="adj3" fmla="val 2232910"/>
-            <a:gd name="adj4" fmla="val 9024489"/>
-            <a:gd name="adj5" fmla="val 4283"/>
-          </a:avLst>
-        </a:prstGeom>
-        <a:solidFill>
-          <a:schemeClr val="accent1">
-            <a:tint val="60000"/>
-            <a:hueOff val="0"/>
-            <a:satOff val="0"/>
-            <a:lumOff val="0"/>
-            <a:alphaOff val="0"/>
-          </a:schemeClr>
-        </a:solidFill>
-        <a:ln>
-          <a:noFill/>
-        </a:ln>
-        <a:effectLst/>
-      </dsp:spPr>
-      <dsp:style>
-        <a:lnRef idx="0">
-          <a:scrgbClr r="0" g="0" b="0"/>
-        </a:lnRef>
-        <a:fillRef idx="1">
-          <a:scrgbClr r="0" g="0" b="0"/>
-        </a:fillRef>
-        <a:effectRef idx="0">
-          <a:scrgbClr r="0" g="0" b="0"/>
-        </a:effectRef>
-        <a:fontRef idx="minor">
-          <a:schemeClr val="lt1"/>
-        </a:fontRef>
-      </dsp:style>
-    </dsp:sp>
-    <dsp:sp modelId="{E805EB19-86A7-453C-8EAB-DE08B33403B3}">
-      <dsp:nvSpPr>
-        <dsp:cNvPr id="0" name=""/>
-        <dsp:cNvSpPr/>
-      </dsp:nvSpPr>
-      <dsp:spPr>
-        <a:xfrm>
-          <a:off x="7499611" y="2498109"/>
-          <a:ext cx="1216247" cy="483661"/>
-        </a:xfrm>
-        <a:prstGeom prst="roundRect">
-          <a:avLst>
-            <a:gd name="adj" fmla="val 10000"/>
-          </a:avLst>
-        </a:prstGeom>
-        <a:solidFill>
-          <a:schemeClr val="accent1">
-            <a:hueOff val="0"/>
-            <a:satOff val="0"/>
-            <a:lumOff val="0"/>
-            <a:alphaOff val="0"/>
-          </a:schemeClr>
-        </a:solidFill>
-        <a:ln w="12700" cap="flat" cmpd="sng" algn="ctr">
-          <a:solidFill>
-            <a:schemeClr val="lt1">
-              <a:hueOff val="0"/>
-              <a:satOff val="0"/>
-              <a:lumOff val="0"/>
-              <a:alphaOff val="0"/>
-            </a:schemeClr>
-          </a:solidFill>
-          <a:prstDash val="solid"/>
-          <a:miter lim="800000"/>
-        </a:ln>
-        <a:effectLst/>
-      </dsp:spPr>
-      <dsp:style>
-        <a:lnRef idx="2">
-          <a:scrgbClr r="0" g="0" b="0"/>
-        </a:lnRef>
-        <a:fillRef idx="1">
-          <a:scrgbClr r="0" g="0" b="0"/>
-        </a:fillRef>
-        <a:effectRef idx="0">
-          <a:scrgbClr r="0" g="0" b="0"/>
-        </a:effectRef>
-        <a:fontRef idx="minor">
-          <a:schemeClr val="lt1"/>
-        </a:fontRef>
-      </dsp:style>
-      <dsp:txBody>
-        <a:bodyPr spcFirstLastPara="0" vert="horz" wrap="square" lIns="22860" tIns="15240" rIns="22860" bIns="15240" numCol="1" spcCol="1270" anchor="ctr" anchorCtr="0">
-          <a:noAutofit/>
-        </a:bodyPr>
-        <a:lstStyle/>
-        <a:p>
-          <a:pPr lvl="0" algn="ctr" defTabSz="533400">
-            <a:lnSpc>
-              <a:spcPct val="90000"/>
-            </a:lnSpc>
-            <a:spcBef>
-              <a:spcPct val="0"/>
-            </a:spcBef>
-            <a:spcAft>
-              <a:spcPct val="35000"/>
-            </a:spcAft>
-          </a:pPr>
-          <a:r>
-            <a:rPr lang="en-US" sz="1200" kern="1200" dirty="0" smtClean="0"/>
-            <a:t>Model Performance</a:t>
-          </a:r>
-          <a:endParaRPr lang="en-US" sz="1200" kern="1200" dirty="0"/>
-        </a:p>
-      </dsp:txBody>
-      <dsp:txXfrm>
-        <a:off x="7513777" y="2512275"/>
-        <a:ext cx="1187915" cy="455329"/>
-      </dsp:txXfrm>
-    </dsp:sp>
-    <dsp:sp modelId="{020CDEE5-5E31-4889-A6B8-B001F754819A}">
-      <dsp:nvSpPr>
-        <dsp:cNvPr id="0" name=""/>
-        <dsp:cNvSpPr/>
-      </dsp:nvSpPr>
-      <dsp:spPr>
-        <a:xfrm>
-          <a:off x="8994152" y="1611397"/>
-          <a:ext cx="1368278" cy="1128543"/>
-        </a:xfrm>
-        <a:prstGeom prst="roundRect">
-          <a:avLst>
-            <a:gd name="adj" fmla="val 10000"/>
-          </a:avLst>
-        </a:prstGeom>
-        <a:solidFill>
-          <a:schemeClr val="lt1">
-            <a:alpha val="90000"/>
-            <a:hueOff val="0"/>
-            <a:satOff val="0"/>
-            <a:lumOff val="0"/>
-            <a:alphaOff val="0"/>
-          </a:schemeClr>
-        </a:solidFill>
-        <a:ln w="12700" cap="flat" cmpd="sng" algn="ctr">
-          <a:solidFill>
-            <a:schemeClr val="accent1">
-              <a:hueOff val="0"/>
-              <a:satOff val="0"/>
-              <a:lumOff val="0"/>
-              <a:alphaOff val="0"/>
-            </a:schemeClr>
-          </a:solidFill>
-          <a:prstDash val="solid"/>
-          <a:miter lim="800000"/>
-        </a:ln>
-        <a:effectLst/>
-      </dsp:spPr>
-      <dsp:style>
-        <a:lnRef idx="2">
-          <a:scrgbClr r="0" g="0" b="0"/>
-        </a:lnRef>
-        <a:fillRef idx="1">
-          <a:scrgbClr r="0" g="0" b="0"/>
-        </a:fillRef>
-        <a:effectRef idx="0">
-          <a:scrgbClr r="0" g="0" b="0"/>
-        </a:effectRef>
-        <a:fontRef idx="minor"/>
-      </dsp:style>
-      <dsp:txBody>
-        <a:bodyPr spcFirstLastPara="0" vert="horz" wrap="square" lIns="22860" tIns="22860" rIns="22860" bIns="22860" numCol="1" spcCol="1270" anchor="t" anchorCtr="0">
-          <a:noAutofit/>
-        </a:bodyPr>
-        <a:lstStyle/>
-        <a:p>
-          <a:pPr marL="114300" lvl="1" indent="-114300" algn="l" defTabSz="533400">
-            <a:lnSpc>
-              <a:spcPct val="90000"/>
-            </a:lnSpc>
-            <a:spcBef>
-              <a:spcPct val="0"/>
-            </a:spcBef>
-            <a:spcAft>
-              <a:spcPct val="15000"/>
-            </a:spcAft>
-            <a:buChar char="••"/>
-          </a:pPr>
-          <a:r>
-            <a:rPr lang="en-US" sz="1200" kern="1200" dirty="0" smtClean="0"/>
-            <a:t>Communicating the Outcome</a:t>
-          </a:r>
-          <a:endParaRPr lang="en-US" sz="1200" kern="1200" dirty="0"/>
-        </a:p>
-      </dsp:txBody>
-      <dsp:txXfrm>
-        <a:off x="9020123" y="1879199"/>
-        <a:ext cx="1316336" cy="834770"/>
-      </dsp:txXfrm>
-    </dsp:sp>
-    <dsp:sp modelId="{9C5FBD1F-36F6-489D-AA4B-C9D6C6C7ABB7}">
-      <dsp:nvSpPr>
-        <dsp:cNvPr id="0" name=""/>
-        <dsp:cNvSpPr/>
-      </dsp:nvSpPr>
-      <dsp:spPr>
-        <a:xfrm>
-          <a:off x="9298214" y="1369566"/>
-          <a:ext cx="1216247" cy="483661"/>
-        </a:xfrm>
-        <a:prstGeom prst="roundRect">
-          <a:avLst>
-            <a:gd name="adj" fmla="val 10000"/>
-          </a:avLst>
-        </a:prstGeom>
-        <a:solidFill>
-          <a:schemeClr val="accent1">
-            <a:hueOff val="0"/>
-            <a:satOff val="0"/>
-            <a:lumOff val="0"/>
-            <a:alphaOff val="0"/>
-          </a:schemeClr>
-        </a:solidFill>
-        <a:ln w="12700" cap="flat" cmpd="sng" algn="ctr">
-          <a:solidFill>
-            <a:schemeClr val="lt1">
-              <a:hueOff val="0"/>
-              <a:satOff val="0"/>
-              <a:lumOff val="0"/>
-              <a:alphaOff val="0"/>
-            </a:schemeClr>
-          </a:solidFill>
-          <a:prstDash val="solid"/>
-          <a:miter lim="800000"/>
-        </a:ln>
-        <a:effectLst/>
-      </dsp:spPr>
-      <dsp:style>
-        <a:lnRef idx="2">
-          <a:scrgbClr r="0" g="0" b="0"/>
-        </a:lnRef>
-        <a:fillRef idx="1">
-          <a:scrgbClr r="0" g="0" b="0"/>
-        </a:fillRef>
-        <a:effectRef idx="0">
-          <a:scrgbClr r="0" g="0" b="0"/>
-        </a:effectRef>
-        <a:fontRef idx="minor">
-          <a:schemeClr val="lt1"/>
-        </a:fontRef>
-      </dsp:style>
-      <dsp:txBody>
-        <a:bodyPr spcFirstLastPara="0" vert="horz" wrap="square" lIns="22860" tIns="15240" rIns="22860" bIns="15240" numCol="1" spcCol="1270" anchor="ctr" anchorCtr="0">
-          <a:noAutofit/>
-        </a:bodyPr>
-        <a:lstStyle/>
-        <a:p>
-          <a:pPr lvl="0" algn="ctr" defTabSz="533400">
-            <a:lnSpc>
-              <a:spcPct val="90000"/>
-            </a:lnSpc>
-            <a:spcBef>
-              <a:spcPct val="0"/>
-            </a:spcBef>
-            <a:spcAft>
-              <a:spcPct val="35000"/>
-            </a:spcAft>
-          </a:pPr>
-          <a:r>
-            <a:rPr lang="en-US" sz="1200" kern="1200" dirty="0" smtClean="0"/>
-            <a:t>Reporting</a:t>
-          </a:r>
-          <a:endParaRPr lang="en-US" sz="1200" kern="1200" dirty="0"/>
-        </a:p>
-      </dsp:txBody>
-      <dsp:txXfrm>
-        <a:off x="9312380" y="1383732"/>
-        <a:ext cx="1187915" cy="455329"/>
-      </dsp:txXfrm>
-    </dsp:sp>
   </dsp:spTree>
 </dsp:drawing>
 </file>
@@ -8413,7 +7153,7 @@
         <p:spPr/>
         <p:txBody>
           <a:bodyPr>
-            <a:normAutofit lnSpcReduction="10000"/>
+            <a:normAutofit fontScale="92500" lnSpcReduction="20000"/>
           </a:bodyPr>
           <a:lstStyle/>
           <a:p>
@@ -8428,12 +7168,18 @@
               <a:t>Current </a:t>
             </a:r>
             <a:r>
-              <a:rPr lang="en-US" dirty="0" err="1" smtClean="0"/>
-              <a:t>trendsSolution</a:t>
-            </a:r>
-            <a:r>
               <a:rPr lang="en-US" dirty="0" smtClean="0"/>
-              <a:t> Proposed</a:t>
+              <a:t>trend</a:t>
+            </a:r>
+          </a:p>
+          <a:p>
+            <a:r>
+              <a:rPr lang="en-US" dirty="0" smtClean="0"/>
+              <a:t>Solution </a:t>
+            </a:r>
+            <a:r>
+              <a:rPr lang="en-US" dirty="0" smtClean="0"/>
+              <a:t>Proposed</a:t>
             </a:r>
           </a:p>
           <a:p>
@@ -8471,7 +7217,6 @@
               <a:rPr lang="en-US" dirty="0" smtClean="0"/>
               <a:t>Tools &amp; Framework Used </a:t>
             </a:r>
-            <a:endParaRPr lang="en-US" dirty="0" smtClean="0"/>
           </a:p>
           <a:p>
             <a:r>
